--- a/CapstoneProject_Company_Bankruptcy_prediction.pptx
+++ b/CapstoneProject_Company_Bankruptcy_prediction.pptx
@@ -305,7 +305,7 @@
 <file path=ppt/revisionInfo.xml><?xml version="1.0" encoding="utf-8"?>
 <p1510:revInfo xmlns:a="http://schemas.openxmlformats.org/drawingml/2006/main" xmlns:r="http://schemas.openxmlformats.org/officeDocument/2006/relationships" xmlns:p1510="http://schemas.microsoft.com/office/powerpoint/2015/10/main">
   <p1510:revLst>
-    <p1510:client id="{28C1D5EE-185F-4949-A76B-E6D9D5E243D0}" v="15" dt="2021-10-21T10:00:43.117"/>
+    <p1510:client id="{28C1D5EE-185F-4949-A76B-E6D9D5E243D0}" v="16" dt="2021-10-22T10:23:38.864"/>
   </p1510:revLst>
 </p1510:revInfo>
 </file>
@@ -1990,7 +1990,7 @@
   <pc:docChgLst>
     <pc:chgData name="Ahmed, Turab (Cognizant)" userId="57034c97-ae12-4f24-9bec-916e0bec6440" providerId="ADAL" clId="{28C1D5EE-185F-4949-A76B-E6D9D5E243D0}"/>
     <pc:docChg chg="undo custSel addSld delSld modSld">
-      <pc:chgData name="Ahmed, Turab (Cognizant)" userId="57034c97-ae12-4f24-9bec-916e0bec6440" providerId="ADAL" clId="{28C1D5EE-185F-4949-A76B-E6D9D5E243D0}" dt="2021-10-21T12:03:59.388" v="6161" actId="20577"/>
+      <pc:chgData name="Ahmed, Turab (Cognizant)" userId="57034c97-ae12-4f24-9bec-916e0bec6440" providerId="ADAL" clId="{28C1D5EE-185F-4949-A76B-E6D9D5E243D0}" dt="2021-11-18T11:48:24.168" v="7107" actId="20577"/>
       <pc:docMkLst>
         <pc:docMk/>
       </pc:docMkLst>
@@ -2010,13 +2010,13 @@
         </pc:spChg>
       </pc:sldChg>
       <pc:sldChg chg="addSp delSp modSp mod">
-        <pc:chgData name="Ahmed, Turab (Cognizant)" userId="57034c97-ae12-4f24-9bec-916e0bec6440" providerId="ADAL" clId="{28C1D5EE-185F-4949-A76B-E6D9D5E243D0}" dt="2021-10-19T10:02:07.096" v="48" actId="14100"/>
+        <pc:chgData name="Ahmed, Turab (Cognizant)" userId="57034c97-ae12-4f24-9bec-916e0bec6440" providerId="ADAL" clId="{28C1D5EE-185F-4949-A76B-E6D9D5E243D0}" dt="2021-10-22T12:12:14.114" v="7057" actId="33524"/>
         <pc:sldMkLst>
           <pc:docMk/>
           <pc:sldMk cId="527706886" sldId="258"/>
         </pc:sldMkLst>
         <pc:spChg chg="mod">
-          <ac:chgData name="Ahmed, Turab (Cognizant)" userId="57034c97-ae12-4f24-9bec-916e0bec6440" providerId="ADAL" clId="{28C1D5EE-185F-4949-A76B-E6D9D5E243D0}" dt="2021-10-19T09:43:27.241" v="40" actId="20577"/>
+          <ac:chgData name="Ahmed, Turab (Cognizant)" userId="57034c97-ae12-4f24-9bec-916e0bec6440" providerId="ADAL" clId="{28C1D5EE-185F-4949-A76B-E6D9D5E243D0}" dt="2021-10-22T12:12:14.114" v="7057" actId="33524"/>
           <ac:spMkLst>
             <pc:docMk/>
             <pc:sldMk cId="527706886" sldId="258"/>
@@ -2041,13 +2041,13 @@
         </pc:picChg>
       </pc:sldChg>
       <pc:sldChg chg="modSp mod">
-        <pc:chgData name="Ahmed, Turab (Cognizant)" userId="57034c97-ae12-4f24-9bec-916e0bec6440" providerId="ADAL" clId="{28C1D5EE-185F-4949-A76B-E6D9D5E243D0}" dt="2021-10-20T08:46:50.868" v="188" actId="20577"/>
+        <pc:chgData name="Ahmed, Turab (Cognizant)" userId="57034c97-ae12-4f24-9bec-916e0bec6440" providerId="ADAL" clId="{28C1D5EE-185F-4949-A76B-E6D9D5E243D0}" dt="2021-10-28T12:02:45.948" v="7100" actId="20577"/>
         <pc:sldMkLst>
           <pc:docMk/>
           <pc:sldMk cId="920083808" sldId="259"/>
         </pc:sldMkLst>
         <pc:spChg chg="mod">
-          <ac:chgData name="Ahmed, Turab (Cognizant)" userId="57034c97-ae12-4f24-9bec-916e0bec6440" providerId="ADAL" clId="{28C1D5EE-185F-4949-A76B-E6D9D5E243D0}" dt="2021-10-20T08:46:50.868" v="188" actId="20577"/>
+          <ac:chgData name="Ahmed, Turab (Cognizant)" userId="57034c97-ae12-4f24-9bec-916e0bec6440" providerId="ADAL" clId="{28C1D5EE-185F-4949-A76B-E6D9D5E243D0}" dt="2021-10-28T12:02:45.948" v="7100" actId="20577"/>
           <ac:spMkLst>
             <pc:docMk/>
             <pc:sldMk cId="920083808" sldId="259"/>
@@ -2056,13 +2056,13 @@
         </pc:spChg>
       </pc:sldChg>
       <pc:sldChg chg="modSp mod">
-        <pc:chgData name="Ahmed, Turab (Cognizant)" userId="57034c97-ae12-4f24-9bec-916e0bec6440" providerId="ADAL" clId="{28C1D5EE-185F-4949-A76B-E6D9D5E243D0}" dt="2021-10-20T08:54:05.879" v="289" actId="20577"/>
+        <pc:chgData name="Ahmed, Turab (Cognizant)" userId="57034c97-ae12-4f24-9bec-916e0bec6440" providerId="ADAL" clId="{28C1D5EE-185F-4949-A76B-E6D9D5E243D0}" dt="2021-10-22T12:03:35.174" v="7048" actId="20577"/>
         <pc:sldMkLst>
           <pc:docMk/>
           <pc:sldMk cId="3625921327" sldId="260"/>
         </pc:sldMkLst>
         <pc:spChg chg="mod">
-          <ac:chgData name="Ahmed, Turab (Cognizant)" userId="57034c97-ae12-4f24-9bec-916e0bec6440" providerId="ADAL" clId="{28C1D5EE-185F-4949-A76B-E6D9D5E243D0}" dt="2021-10-20T08:54:05.879" v="289" actId="20577"/>
+          <ac:chgData name="Ahmed, Turab (Cognizant)" userId="57034c97-ae12-4f24-9bec-916e0bec6440" providerId="ADAL" clId="{28C1D5EE-185F-4949-A76B-E6D9D5E243D0}" dt="2021-10-22T12:03:35.174" v="7048" actId="20577"/>
           <ac:spMkLst>
             <pc:docMk/>
             <pc:sldMk cId="3625921327" sldId="260"/>
@@ -2071,7 +2071,7 @@
         </pc:spChg>
       </pc:sldChg>
       <pc:sldChg chg="delSp modSp mod">
-        <pc:chgData name="Ahmed, Turab (Cognizant)" userId="57034c97-ae12-4f24-9bec-916e0bec6440" providerId="ADAL" clId="{28C1D5EE-185F-4949-A76B-E6D9D5E243D0}" dt="2021-10-21T03:33:32.535" v="1378" actId="20577"/>
+        <pc:chgData name="Ahmed, Turab (Cognizant)" userId="57034c97-ae12-4f24-9bec-916e0bec6440" providerId="ADAL" clId="{28C1D5EE-185F-4949-A76B-E6D9D5E243D0}" dt="2021-10-22T12:03:29.382" v="7033" actId="20577"/>
         <pc:sldMkLst>
           <pc:docMk/>
           <pc:sldMk cId="2589373582" sldId="262"/>
@@ -2085,7 +2085,7 @@
           </ac:spMkLst>
         </pc:spChg>
         <pc:spChg chg="mod">
-          <ac:chgData name="Ahmed, Turab (Cognizant)" userId="57034c97-ae12-4f24-9bec-916e0bec6440" providerId="ADAL" clId="{28C1D5EE-185F-4949-A76B-E6D9D5E243D0}" dt="2021-10-21T03:33:32.535" v="1378" actId="20577"/>
+          <ac:chgData name="Ahmed, Turab (Cognizant)" userId="57034c97-ae12-4f24-9bec-916e0bec6440" providerId="ADAL" clId="{28C1D5EE-185F-4949-A76B-E6D9D5E243D0}" dt="2021-10-22T12:03:29.382" v="7033" actId="20577"/>
           <ac:spMkLst>
             <pc:docMk/>
             <pc:sldMk cId="2589373582" sldId="262"/>
@@ -2430,8 +2430,8 @@
           </ac:spMkLst>
         </pc:spChg>
       </pc:sldChg>
-      <pc:sldChg chg="addSp modSp new mod">
-        <pc:chgData name="Ahmed, Turab (Cognizant)" userId="57034c97-ae12-4f24-9bec-916e0bec6440" providerId="ADAL" clId="{28C1D5EE-185F-4949-A76B-E6D9D5E243D0}" dt="2021-10-21T07:34:21.794" v="2062" actId="14100"/>
+      <pc:sldChg chg="addSp delSp modSp new mod">
+        <pc:chgData name="Ahmed, Turab (Cognizant)" userId="57034c97-ae12-4f24-9bec-916e0bec6440" providerId="ADAL" clId="{28C1D5EE-185F-4949-A76B-E6D9D5E243D0}" dt="2021-10-22T10:40:41.336" v="6313" actId="1076"/>
         <pc:sldMkLst>
           <pc:docMk/>
           <pc:sldMk cId="33390928" sldId="278"/>
@@ -2445,7 +2445,7 @@
           </ac:spMkLst>
         </pc:spChg>
         <pc:spChg chg="mod">
-          <ac:chgData name="Ahmed, Turab (Cognizant)" userId="57034c97-ae12-4f24-9bec-916e0bec6440" providerId="ADAL" clId="{28C1D5EE-185F-4949-A76B-E6D9D5E243D0}" dt="2021-10-21T07:33:51.135" v="2055" actId="20577"/>
+          <ac:chgData name="Ahmed, Turab (Cognizant)" userId="57034c97-ae12-4f24-9bec-916e0bec6440" providerId="ADAL" clId="{28C1D5EE-185F-4949-A76B-E6D9D5E243D0}" dt="2021-10-22T10:40:17.266" v="6305" actId="14100"/>
           <ac:spMkLst>
             <pc:docMk/>
             <pc:sldMk cId="33390928" sldId="278"/>
@@ -2460,8 +2460,8 @@
             <ac:picMk id="4" creationId="{4700B4F7-497A-4E4F-B04F-EAE9B6D2EDCF}"/>
           </ac:picMkLst>
         </pc:picChg>
-        <pc:picChg chg="add mod">
-          <ac:chgData name="Ahmed, Turab (Cognizant)" userId="57034c97-ae12-4f24-9bec-916e0bec6440" providerId="ADAL" clId="{28C1D5EE-185F-4949-A76B-E6D9D5E243D0}" dt="2021-10-21T07:32:41.619" v="1856" actId="1076"/>
+        <pc:picChg chg="add del mod">
+          <ac:chgData name="Ahmed, Turab (Cognizant)" userId="57034c97-ae12-4f24-9bec-916e0bec6440" providerId="ADAL" clId="{28C1D5EE-185F-4949-A76B-E6D9D5E243D0}" dt="2021-10-22T10:39:23.927" v="6289" actId="478"/>
           <ac:picMkLst>
             <pc:docMk/>
             <pc:sldMk cId="33390928" sldId="278"/>
@@ -2469,30 +2469,54 @@
           </ac:picMkLst>
         </pc:picChg>
         <pc:picChg chg="add mod">
-          <ac:chgData name="Ahmed, Turab (Cognizant)" userId="57034c97-ae12-4f24-9bec-916e0bec6440" providerId="ADAL" clId="{28C1D5EE-185F-4949-A76B-E6D9D5E243D0}" dt="2021-10-21T07:33:04.107" v="1861" actId="1076"/>
+          <ac:chgData name="Ahmed, Turab (Cognizant)" userId="57034c97-ae12-4f24-9bec-916e0bec6440" providerId="ADAL" clId="{28C1D5EE-185F-4949-A76B-E6D9D5E243D0}" dt="2021-10-22T10:39:55.927" v="6296" actId="1076"/>
+          <ac:picMkLst>
+            <pc:docMk/>
+            <pc:sldMk cId="33390928" sldId="278"/>
+            <ac:picMk id="7" creationId="{E161CFCC-6F39-46AC-BF01-34B4E0B9C97F}"/>
+          </ac:picMkLst>
+        </pc:picChg>
+        <pc:picChg chg="add del mod">
+          <ac:chgData name="Ahmed, Turab (Cognizant)" userId="57034c97-ae12-4f24-9bec-916e0bec6440" providerId="ADAL" clId="{28C1D5EE-185F-4949-A76B-E6D9D5E243D0}" dt="2021-10-22T10:39:25.677" v="6290" actId="478"/>
           <ac:picMkLst>
             <pc:docMk/>
             <pc:sldMk cId="33390928" sldId="278"/>
             <ac:picMk id="8" creationId="{2B475AC7-74AE-4DA9-AF1C-8350D5C02E02}"/>
           </ac:picMkLst>
         </pc:picChg>
-        <pc:picChg chg="add mod">
-          <ac:chgData name="Ahmed, Turab (Cognizant)" userId="57034c97-ae12-4f24-9bec-916e0bec6440" providerId="ADAL" clId="{28C1D5EE-185F-4949-A76B-E6D9D5E243D0}" dt="2021-10-21T07:34:21.794" v="2062" actId="14100"/>
+        <pc:picChg chg="add del mod">
+          <ac:chgData name="Ahmed, Turab (Cognizant)" userId="57034c97-ae12-4f24-9bec-916e0bec6440" providerId="ADAL" clId="{28C1D5EE-185F-4949-A76B-E6D9D5E243D0}" dt="2021-10-22T10:40:18.989" v="6306" actId="478"/>
           <ac:picMkLst>
             <pc:docMk/>
             <pc:sldMk cId="33390928" sldId="278"/>
             <ac:picMk id="10" creationId="{8FBA48F7-5A89-4F56-95BA-26CB6B9FBCAC}"/>
           </ac:picMkLst>
         </pc:picChg>
+        <pc:picChg chg="add mod">
+          <ac:chgData name="Ahmed, Turab (Cognizant)" userId="57034c97-ae12-4f24-9bec-916e0bec6440" providerId="ADAL" clId="{28C1D5EE-185F-4949-A76B-E6D9D5E243D0}" dt="2021-10-22T10:40:12.842" v="6304" actId="14100"/>
+          <ac:picMkLst>
+            <pc:docMk/>
+            <pc:sldMk cId="33390928" sldId="278"/>
+            <ac:picMk id="11" creationId="{C61FCAD4-2617-4798-A9EA-5516E4293F42}"/>
+          </ac:picMkLst>
+        </pc:picChg>
+        <pc:picChg chg="add mod">
+          <ac:chgData name="Ahmed, Turab (Cognizant)" userId="57034c97-ae12-4f24-9bec-916e0bec6440" providerId="ADAL" clId="{28C1D5EE-185F-4949-A76B-E6D9D5E243D0}" dt="2021-10-22T10:40:41.336" v="6313" actId="1076"/>
+          <ac:picMkLst>
+            <pc:docMk/>
+            <pc:sldMk cId="33390928" sldId="278"/>
+            <ac:picMk id="13" creationId="{CCCAB3A8-82F3-4BF3-90C3-0FD352C590E9}"/>
+          </ac:picMkLst>
+        </pc:picChg>
       </pc:sldChg>
       <pc:sldChg chg="addSp delSp modSp new mod">
-        <pc:chgData name="Ahmed, Turab (Cognizant)" userId="57034c97-ae12-4f24-9bec-916e0bec6440" providerId="ADAL" clId="{28C1D5EE-185F-4949-A76B-E6D9D5E243D0}" dt="2021-10-21T07:39:23.811" v="2220" actId="14100"/>
+        <pc:chgData name="Ahmed, Turab (Cognizant)" userId="57034c97-ae12-4f24-9bec-916e0bec6440" providerId="ADAL" clId="{28C1D5EE-185F-4949-A76B-E6D9D5E243D0}" dt="2021-11-18T11:48:24.168" v="7107" actId="20577"/>
         <pc:sldMkLst>
           <pc:docMk/>
           <pc:sldMk cId="1640980423" sldId="279"/>
         </pc:sldMkLst>
         <pc:spChg chg="mod">
-          <ac:chgData name="Ahmed, Turab (Cognizant)" userId="57034c97-ae12-4f24-9bec-916e0bec6440" providerId="ADAL" clId="{28C1D5EE-185F-4949-A76B-E6D9D5E243D0}" dt="2021-10-21T07:38:52.499" v="2216" actId="20577"/>
+          <ac:chgData name="Ahmed, Turab (Cognizant)" userId="57034c97-ae12-4f24-9bec-916e0bec6440" providerId="ADAL" clId="{28C1D5EE-185F-4949-A76B-E6D9D5E243D0}" dt="2021-11-18T11:48:24.168" v="7107" actId="20577"/>
           <ac:spMkLst>
             <pc:docMk/>
             <pc:sldMk cId="1640980423" sldId="279"/>
@@ -2508,7 +2532,15 @@
           </ac:picMkLst>
         </pc:picChg>
         <pc:picChg chg="add mod">
-          <ac:chgData name="Ahmed, Turab (Cognizant)" userId="57034c97-ae12-4f24-9bec-916e0bec6440" providerId="ADAL" clId="{28C1D5EE-185F-4949-A76B-E6D9D5E243D0}" dt="2021-10-21T07:39:18.827" v="2219" actId="14100"/>
+          <ac:chgData name="Ahmed, Turab (Cognizant)" userId="57034c97-ae12-4f24-9bec-916e0bec6440" providerId="ADAL" clId="{28C1D5EE-185F-4949-A76B-E6D9D5E243D0}" dt="2021-10-22T10:42:00.434" v="6319" actId="1076"/>
+          <ac:picMkLst>
+            <pc:docMk/>
+            <pc:sldMk cId="1640980423" sldId="279"/>
+            <ac:picMk id="5" creationId="{86DC1E92-A041-472F-9932-581CDD1151A3}"/>
+          </ac:picMkLst>
+        </pc:picChg>
+        <pc:picChg chg="add del mod">
+          <ac:chgData name="Ahmed, Turab (Cognizant)" userId="57034c97-ae12-4f24-9bec-916e0bec6440" providerId="ADAL" clId="{28C1D5EE-185F-4949-A76B-E6D9D5E243D0}" dt="2021-10-22T10:41:41.285" v="6314" actId="478"/>
           <ac:picMkLst>
             <pc:docMk/>
             <pc:sldMk cId="1640980423" sldId="279"/>
@@ -2516,7 +2548,15 @@
           </ac:picMkLst>
         </pc:picChg>
         <pc:picChg chg="add mod">
-          <ac:chgData name="Ahmed, Turab (Cognizant)" userId="57034c97-ae12-4f24-9bec-916e0bec6440" providerId="ADAL" clId="{28C1D5EE-185F-4949-A76B-E6D9D5E243D0}" dt="2021-10-21T07:39:23.811" v="2220" actId="14100"/>
+          <ac:chgData name="Ahmed, Turab (Cognizant)" userId="57034c97-ae12-4f24-9bec-916e0bec6440" providerId="ADAL" clId="{28C1D5EE-185F-4949-A76B-E6D9D5E243D0}" dt="2021-10-22T10:42:49.427" v="6332" actId="14100"/>
+          <ac:picMkLst>
+            <pc:docMk/>
+            <pc:sldMk cId="1640980423" sldId="279"/>
+            <ac:picMk id="8" creationId="{6D651F7D-B0BF-4D98-AD75-AAF13DF08368}"/>
+          </ac:picMkLst>
+        </pc:picChg>
+        <pc:picChg chg="add del mod">
+          <ac:chgData name="Ahmed, Turab (Cognizant)" userId="57034c97-ae12-4f24-9bec-916e0bec6440" providerId="ADAL" clId="{28C1D5EE-185F-4949-A76B-E6D9D5E243D0}" dt="2021-10-22T10:41:43.139" v="6315" actId="478"/>
           <ac:picMkLst>
             <pc:docMk/>
             <pc:sldMk cId="1640980423" sldId="279"/>
@@ -2524,8 +2564,8 @@
           </ac:picMkLst>
         </pc:picChg>
       </pc:sldChg>
-      <pc:sldChg chg="addSp modSp new mod">
-        <pc:chgData name="Ahmed, Turab (Cognizant)" userId="57034c97-ae12-4f24-9bec-916e0bec6440" providerId="ADAL" clId="{28C1D5EE-185F-4949-A76B-E6D9D5E243D0}" dt="2021-10-21T09:35:30.399" v="2952" actId="1076"/>
+      <pc:sldChg chg="addSp delSp modSp new mod">
+        <pc:chgData name="Ahmed, Turab (Cognizant)" userId="57034c97-ae12-4f24-9bec-916e0bec6440" providerId="ADAL" clId="{28C1D5EE-185F-4949-A76B-E6D9D5E243D0}" dt="2021-10-22T10:43:45.822" v="6346" actId="14100"/>
         <pc:sldMkLst>
           <pc:docMk/>
           <pc:sldMk cId="1736565391" sldId="280"/>
@@ -2539,7 +2579,7 @@
           </ac:spMkLst>
         </pc:spChg>
         <pc:spChg chg="mod">
-          <ac:chgData name="Ahmed, Turab (Cognizant)" userId="57034c97-ae12-4f24-9bec-916e0bec6440" providerId="ADAL" clId="{28C1D5EE-185F-4949-A76B-E6D9D5E243D0}" dt="2021-10-21T07:43:59.368" v="2475" actId="20577"/>
+          <ac:chgData name="Ahmed, Turab (Cognizant)" userId="57034c97-ae12-4f24-9bec-916e0bec6440" providerId="ADAL" clId="{28C1D5EE-185F-4949-A76B-E6D9D5E243D0}" dt="2021-10-22T10:43:05.593" v="6334" actId="20577"/>
           <ac:spMkLst>
             <pc:docMk/>
             <pc:sldMk cId="1736565391" sldId="280"/>
@@ -2563,7 +2603,15 @@
           </ac:picMkLst>
         </pc:picChg>
         <pc:picChg chg="add mod">
-          <ac:chgData name="Ahmed, Turab (Cognizant)" userId="57034c97-ae12-4f24-9bec-916e0bec6440" providerId="ADAL" clId="{28C1D5EE-185F-4949-A76B-E6D9D5E243D0}" dt="2021-10-21T07:45:07.642" v="2491" actId="14100"/>
+          <ac:chgData name="Ahmed, Turab (Cognizant)" userId="57034c97-ae12-4f24-9bec-916e0bec6440" providerId="ADAL" clId="{28C1D5EE-185F-4949-A76B-E6D9D5E243D0}" dt="2021-10-22T10:43:45.822" v="6346" actId="14100"/>
+          <ac:picMkLst>
+            <pc:docMk/>
+            <pc:sldMk cId="1736565391" sldId="280"/>
+            <ac:picMk id="7" creationId="{EED23352-05FF-4B7B-8834-CC10695AB28D}"/>
+          </ac:picMkLst>
+        </pc:picChg>
+        <pc:picChg chg="add del mod">
+          <ac:chgData name="Ahmed, Turab (Cognizant)" userId="57034c97-ae12-4f24-9bec-916e0bec6440" providerId="ADAL" clId="{28C1D5EE-185F-4949-A76B-E6D9D5E243D0}" dt="2021-10-22T10:43:06.895" v="6335" actId="478"/>
           <ac:picMkLst>
             <pc:docMk/>
             <pc:sldMk cId="1736565391" sldId="280"/>
@@ -2586,39 +2634,63 @@
           <pc:sldMk cId="2011742165" sldId="280"/>
         </pc:sldMkLst>
       </pc:sldChg>
-      <pc:sldChg chg="addSp modSp new mod">
-        <pc:chgData name="Ahmed, Turab (Cognizant)" userId="57034c97-ae12-4f24-9bec-916e0bec6440" providerId="ADAL" clId="{28C1D5EE-185F-4949-A76B-E6D9D5E243D0}" dt="2021-10-21T07:48:02.691" v="2638" actId="20577"/>
+      <pc:sldChg chg="addSp delSp modSp new mod">
+        <pc:chgData name="Ahmed, Turab (Cognizant)" userId="57034c97-ae12-4f24-9bec-916e0bec6440" providerId="ADAL" clId="{28C1D5EE-185F-4949-A76B-E6D9D5E243D0}" dt="2021-10-22T10:49:22.094" v="6370" actId="20577"/>
         <pc:sldMkLst>
           <pc:docMk/>
           <pc:sldMk cId="1558684506" sldId="281"/>
         </pc:sldMkLst>
         <pc:spChg chg="mod">
-          <ac:chgData name="Ahmed, Turab (Cognizant)" userId="57034c97-ae12-4f24-9bec-916e0bec6440" providerId="ADAL" clId="{28C1D5EE-185F-4949-A76B-E6D9D5E243D0}" dt="2021-10-21T07:48:02.691" v="2638" actId="20577"/>
+          <ac:chgData name="Ahmed, Turab (Cognizant)" userId="57034c97-ae12-4f24-9bec-916e0bec6440" providerId="ADAL" clId="{28C1D5EE-185F-4949-A76B-E6D9D5E243D0}" dt="2021-10-22T10:49:22.094" v="6370" actId="20577"/>
           <ac:spMkLst>
             <pc:docMk/>
             <pc:sldMk cId="1558684506" sldId="281"/>
             <ac:spMk id="3" creationId="{F19E2D58-EE5A-4B94-B23B-6983A0642EB4}"/>
           </ac:spMkLst>
         </pc:spChg>
-        <pc:picChg chg="add mod">
-          <ac:chgData name="Ahmed, Turab (Cognizant)" userId="57034c97-ae12-4f24-9bec-916e0bec6440" providerId="ADAL" clId="{28C1D5EE-185F-4949-A76B-E6D9D5E243D0}" dt="2021-10-21T07:47:44.771" v="2624" actId="1076"/>
+        <pc:picChg chg="add del mod">
+          <ac:chgData name="Ahmed, Turab (Cognizant)" userId="57034c97-ae12-4f24-9bec-916e0bec6440" providerId="ADAL" clId="{28C1D5EE-185F-4949-A76B-E6D9D5E243D0}" dt="2021-10-22T10:46:57.006" v="6347" actId="478"/>
           <ac:picMkLst>
             <pc:docMk/>
             <pc:sldMk cId="1558684506" sldId="281"/>
             <ac:picMk id="5" creationId="{AEC087F4-0EC6-45DE-A03D-D5FB638EA34E}"/>
           </ac:picMkLst>
         </pc:picChg>
-        <pc:picChg chg="add mod">
-          <ac:chgData name="Ahmed, Turab (Cognizant)" userId="57034c97-ae12-4f24-9bec-916e0bec6440" providerId="ADAL" clId="{28C1D5EE-185F-4949-A76B-E6D9D5E243D0}" dt="2021-10-21T07:47:53.611" v="2628" actId="14100"/>
+        <pc:picChg chg="add del mod">
+          <ac:chgData name="Ahmed, Turab (Cognizant)" userId="57034c97-ae12-4f24-9bec-916e0bec6440" providerId="ADAL" clId="{28C1D5EE-185F-4949-A76B-E6D9D5E243D0}" dt="2021-10-22T10:48:33.950" v="6355" actId="478"/>
+          <ac:picMkLst>
+            <pc:docMk/>
+            <pc:sldMk cId="1558684506" sldId="281"/>
+            <ac:picMk id="6" creationId="{E62E4E83-6F28-4782-A92B-7126E74F3858}"/>
+          </ac:picMkLst>
+        </pc:picChg>
+        <pc:picChg chg="add del mod">
+          <ac:chgData name="Ahmed, Turab (Cognizant)" userId="57034c97-ae12-4f24-9bec-916e0bec6440" providerId="ADAL" clId="{28C1D5EE-185F-4949-A76B-E6D9D5E243D0}" dt="2021-10-22T10:48:54.243" v="6362" actId="478"/>
           <ac:picMkLst>
             <pc:docMk/>
             <pc:sldMk cId="1558684506" sldId="281"/>
             <ac:picMk id="7" creationId="{503A5A13-7A22-4DB5-942A-A78C00CF1702}"/>
           </ac:picMkLst>
         </pc:picChg>
+        <pc:picChg chg="add mod">
+          <ac:chgData name="Ahmed, Turab (Cognizant)" userId="57034c97-ae12-4f24-9bec-916e0bec6440" providerId="ADAL" clId="{28C1D5EE-185F-4949-A76B-E6D9D5E243D0}" dt="2021-10-22T10:48:48.386" v="6361" actId="1076"/>
+          <ac:picMkLst>
+            <pc:docMk/>
+            <pc:sldMk cId="1558684506" sldId="281"/>
+            <ac:picMk id="9" creationId="{4C37FAB2-7877-48F5-B7E4-90EA6E2298C4}"/>
+          </ac:picMkLst>
+        </pc:picChg>
+        <pc:picChg chg="add mod">
+          <ac:chgData name="Ahmed, Turab (Cognizant)" userId="57034c97-ae12-4f24-9bec-916e0bec6440" providerId="ADAL" clId="{28C1D5EE-185F-4949-A76B-E6D9D5E243D0}" dt="2021-10-22T10:49:19.234" v="6368" actId="14100"/>
+          <ac:picMkLst>
+            <pc:docMk/>
+            <pc:sldMk cId="1558684506" sldId="281"/>
+            <ac:picMk id="11" creationId="{AE3190B2-9BB2-4A22-AC65-312567B5845A}"/>
+          </ac:picMkLst>
+        </pc:picChg>
       </pc:sldChg>
-      <pc:sldChg chg="addSp modSp new mod">
-        <pc:chgData name="Ahmed, Turab (Cognizant)" userId="57034c97-ae12-4f24-9bec-916e0bec6440" providerId="ADAL" clId="{28C1D5EE-185F-4949-A76B-E6D9D5E243D0}" dt="2021-10-21T09:25:42.021" v="2857" actId="1076"/>
+      <pc:sldChg chg="addSp delSp modSp new mod">
+        <pc:chgData name="Ahmed, Turab (Cognizant)" userId="57034c97-ae12-4f24-9bec-916e0bec6440" providerId="ADAL" clId="{28C1D5EE-185F-4949-A76B-E6D9D5E243D0}" dt="2021-10-22T10:50:34.443" v="6388" actId="14100"/>
         <pc:sldMkLst>
           <pc:docMk/>
           <pc:sldMk cId="4184898154" sldId="282"/>
@@ -2632,7 +2704,7 @@
           </ac:spMkLst>
         </pc:spChg>
         <pc:spChg chg="mod">
-          <ac:chgData name="Ahmed, Turab (Cognizant)" userId="57034c97-ae12-4f24-9bec-916e0bec6440" providerId="ADAL" clId="{28C1D5EE-185F-4949-A76B-E6D9D5E243D0}" dt="2021-10-21T09:25:31.021" v="2854" actId="20577"/>
+          <ac:chgData name="Ahmed, Turab (Cognizant)" userId="57034c97-ae12-4f24-9bec-916e0bec6440" providerId="ADAL" clId="{28C1D5EE-185F-4949-A76B-E6D9D5E243D0}" dt="2021-10-22T10:49:41.093" v="6374" actId="20577"/>
           <ac:spMkLst>
             <pc:docMk/>
             <pc:sldMk cId="4184898154" sldId="282"/>
@@ -2647,39 +2719,55 @@
             <ac:picMk id="4" creationId="{CDA4BA59-82EC-4F2B-9923-4F49B769B747}"/>
           </ac:picMkLst>
         </pc:picChg>
-        <pc:picChg chg="add mod">
-          <ac:chgData name="Ahmed, Turab (Cognizant)" userId="57034c97-ae12-4f24-9bec-916e0bec6440" providerId="ADAL" clId="{28C1D5EE-185F-4949-A76B-E6D9D5E243D0}" dt="2021-10-21T09:25:38.958" v="2856" actId="1076"/>
+        <pc:picChg chg="add del mod">
+          <ac:chgData name="Ahmed, Turab (Cognizant)" userId="57034c97-ae12-4f24-9bec-916e0bec6440" providerId="ADAL" clId="{28C1D5EE-185F-4949-A76B-E6D9D5E243D0}" dt="2021-10-22T10:49:52.157" v="6375" actId="478"/>
           <ac:picMkLst>
             <pc:docMk/>
             <pc:sldMk cId="4184898154" sldId="282"/>
             <ac:picMk id="6" creationId="{F03F8A1A-E3EF-44A5-9B27-CA2B9963DBA9}"/>
           </ac:picMkLst>
         </pc:picChg>
-        <pc:picChg chg="add mod modCrop">
-          <ac:chgData name="Ahmed, Turab (Cognizant)" userId="57034c97-ae12-4f24-9bec-916e0bec6440" providerId="ADAL" clId="{28C1D5EE-185F-4949-A76B-E6D9D5E243D0}" dt="2021-10-21T09:25:42.021" v="2857" actId="1076"/>
+        <pc:picChg chg="add mod">
+          <ac:chgData name="Ahmed, Turab (Cognizant)" userId="57034c97-ae12-4f24-9bec-916e0bec6440" providerId="ADAL" clId="{28C1D5EE-185F-4949-A76B-E6D9D5E243D0}" dt="2021-10-22T10:49:59.695" v="6380" actId="1076"/>
+          <ac:picMkLst>
+            <pc:docMk/>
+            <pc:sldMk cId="4184898154" sldId="282"/>
+            <ac:picMk id="7" creationId="{7E8CDE3B-7284-4B32-A6E9-160C7E4E9EF4}"/>
+          </ac:picMkLst>
+        </pc:picChg>
+        <pc:picChg chg="add del mod modCrop">
+          <ac:chgData name="Ahmed, Turab (Cognizant)" userId="57034c97-ae12-4f24-9bec-916e0bec6440" providerId="ADAL" clId="{28C1D5EE-185F-4949-A76B-E6D9D5E243D0}" dt="2021-10-22T10:50:01.297" v="6381" actId="478"/>
           <ac:picMkLst>
             <pc:docMk/>
             <pc:sldMk cId="4184898154" sldId="282"/>
             <ac:picMk id="8" creationId="{F316BB0D-0A00-45EF-99C5-D1B36CED896B}"/>
           </ac:picMkLst>
         </pc:picChg>
+        <pc:picChg chg="add mod">
+          <ac:chgData name="Ahmed, Turab (Cognizant)" userId="57034c97-ae12-4f24-9bec-916e0bec6440" providerId="ADAL" clId="{28C1D5EE-185F-4949-A76B-E6D9D5E243D0}" dt="2021-10-22T10:50:34.443" v="6388" actId="14100"/>
+          <ac:picMkLst>
+            <pc:docMk/>
+            <pc:sldMk cId="4184898154" sldId="282"/>
+            <ac:picMk id="10" creationId="{9CEBF635-43C3-4116-9D89-88BEF90D4A0F}"/>
+          </ac:picMkLst>
+        </pc:picChg>
       </pc:sldChg>
-      <pc:sldChg chg="addSp modSp new mod">
-        <pc:chgData name="Ahmed, Turab (Cognizant)" userId="57034c97-ae12-4f24-9bec-916e0bec6440" providerId="ADAL" clId="{28C1D5EE-185F-4949-A76B-E6D9D5E243D0}" dt="2021-10-21T09:27:50.541" v="2874" actId="14100"/>
+      <pc:sldChg chg="addSp delSp modSp new mod">
+        <pc:chgData name="Ahmed, Turab (Cognizant)" userId="57034c97-ae12-4f24-9bec-916e0bec6440" providerId="ADAL" clId="{28C1D5EE-185F-4949-A76B-E6D9D5E243D0}" dt="2021-10-28T08:12:05.501" v="7063" actId="1076"/>
         <pc:sldMkLst>
           <pc:docMk/>
           <pc:sldMk cId="2206100744" sldId="283"/>
         </pc:sldMkLst>
         <pc:spChg chg="mod">
-          <ac:chgData name="Ahmed, Turab (Cognizant)" userId="57034c97-ae12-4f24-9bec-916e0bec6440" providerId="ADAL" clId="{28C1D5EE-185F-4949-A76B-E6D9D5E243D0}" dt="2021-10-21T09:27:41.934" v="2870" actId="14100"/>
+          <ac:chgData name="Ahmed, Turab (Cognizant)" userId="57034c97-ae12-4f24-9bec-916e0bec6440" providerId="ADAL" clId="{28C1D5EE-185F-4949-A76B-E6D9D5E243D0}" dt="2021-10-28T08:11:58.921" v="7061" actId="14100"/>
           <ac:spMkLst>
             <pc:docMk/>
             <pc:sldMk cId="2206100744" sldId="283"/>
             <ac:spMk id="3" creationId="{A2CD73C0-E97A-4692-8F87-D839C76CC1CB}"/>
           </ac:spMkLst>
         </pc:spChg>
-        <pc:picChg chg="add mod">
-          <ac:chgData name="Ahmed, Turab (Cognizant)" userId="57034c97-ae12-4f24-9bec-916e0bec6440" providerId="ADAL" clId="{28C1D5EE-185F-4949-A76B-E6D9D5E243D0}" dt="2021-10-21T09:27:50.541" v="2874" actId="14100"/>
+        <pc:picChg chg="add del mod">
+          <ac:chgData name="Ahmed, Turab (Cognizant)" userId="57034c97-ae12-4f24-9bec-916e0bec6440" providerId="ADAL" clId="{28C1D5EE-185F-4949-A76B-E6D9D5E243D0}" dt="2021-10-22T10:51:14.238" v="6389" actId="478"/>
           <ac:picMkLst>
             <pc:docMk/>
             <pc:sldMk cId="2206100744" sldId="283"/>
@@ -2687,16 +2775,32 @@
           </ac:picMkLst>
         </pc:picChg>
         <pc:picChg chg="add mod">
-          <ac:chgData name="Ahmed, Turab (Cognizant)" userId="57034c97-ae12-4f24-9bec-916e0bec6440" providerId="ADAL" clId="{28C1D5EE-185F-4949-A76B-E6D9D5E243D0}" dt="2021-10-21T09:27:47.622" v="2873" actId="1076"/>
+          <ac:chgData name="Ahmed, Turab (Cognizant)" userId="57034c97-ae12-4f24-9bec-916e0bec6440" providerId="ADAL" clId="{28C1D5EE-185F-4949-A76B-E6D9D5E243D0}" dt="2021-10-28T08:12:01.270" v="7062" actId="1076"/>
+          <ac:picMkLst>
+            <pc:docMk/>
+            <pc:sldMk cId="2206100744" sldId="283"/>
+            <ac:picMk id="6" creationId="{CFE4EE15-303C-467C-AF7D-2B4F9BBE80D8}"/>
+          </ac:picMkLst>
+        </pc:picChg>
+        <pc:picChg chg="add del mod">
+          <ac:chgData name="Ahmed, Turab (Cognizant)" userId="57034c97-ae12-4f24-9bec-916e0bec6440" providerId="ADAL" clId="{28C1D5EE-185F-4949-A76B-E6D9D5E243D0}" dt="2021-10-22T10:51:32.515" v="6397" actId="478"/>
           <ac:picMkLst>
             <pc:docMk/>
             <pc:sldMk cId="2206100744" sldId="283"/>
             <ac:picMk id="7" creationId="{4DBF4F41-027F-4792-AA58-290755EF00A1}"/>
           </ac:picMkLst>
         </pc:picChg>
+        <pc:picChg chg="add mod">
+          <ac:chgData name="Ahmed, Turab (Cognizant)" userId="57034c97-ae12-4f24-9bec-916e0bec6440" providerId="ADAL" clId="{28C1D5EE-185F-4949-A76B-E6D9D5E243D0}" dt="2021-10-28T08:12:05.501" v="7063" actId="1076"/>
+          <ac:picMkLst>
+            <pc:docMk/>
+            <pc:sldMk cId="2206100744" sldId="283"/>
+            <ac:picMk id="9" creationId="{B6BD9AB7-8ADD-4091-9211-2F72453B28E3}"/>
+          </ac:picMkLst>
+        </pc:picChg>
       </pc:sldChg>
-      <pc:sldChg chg="addSp modSp new mod">
-        <pc:chgData name="Ahmed, Turab (Cognizant)" userId="57034c97-ae12-4f24-9bec-916e0bec6440" providerId="ADAL" clId="{28C1D5EE-185F-4949-A76B-E6D9D5E243D0}" dt="2021-10-21T09:43:05.626" v="3100" actId="20577"/>
+      <pc:sldChg chg="addSp delSp modSp new mod">
+        <pc:chgData name="Ahmed, Turab (Cognizant)" userId="57034c97-ae12-4f24-9bec-916e0bec6440" providerId="ADAL" clId="{28C1D5EE-185F-4949-A76B-E6D9D5E243D0}" dt="2021-10-22T10:53:09.689" v="6416" actId="14100"/>
         <pc:sldMkLst>
           <pc:docMk/>
           <pc:sldMk cId="1952378530" sldId="284"/>
@@ -2733,39 +2837,55 @@
             <ac:picMk id="5" creationId="{E2DF4442-E1BE-4C6D-B431-8DCFAC985272}"/>
           </ac:picMkLst>
         </pc:picChg>
-        <pc:picChg chg="add mod">
-          <ac:chgData name="Ahmed, Turab (Cognizant)" userId="57034c97-ae12-4f24-9bec-916e0bec6440" providerId="ADAL" clId="{28C1D5EE-185F-4949-A76B-E6D9D5E243D0}" dt="2021-10-21T09:42:16.349" v="3028" actId="14100"/>
+        <pc:picChg chg="add del mod">
+          <ac:chgData name="Ahmed, Turab (Cognizant)" userId="57034c97-ae12-4f24-9bec-916e0bec6440" providerId="ADAL" clId="{28C1D5EE-185F-4949-A76B-E6D9D5E243D0}" dt="2021-10-22T10:52:28.343" v="6405" actId="478"/>
           <ac:picMkLst>
             <pc:docMk/>
             <pc:sldMk cId="1952378530" sldId="284"/>
             <ac:picMk id="7" creationId="{EAF96AEA-04DB-4F84-95EF-84F7654D93A1}"/>
           </ac:picMkLst>
         </pc:picChg>
-        <pc:picChg chg="add mod modCrop">
-          <ac:chgData name="Ahmed, Turab (Cognizant)" userId="57034c97-ae12-4f24-9bec-916e0bec6440" providerId="ADAL" clId="{28C1D5EE-185F-4949-A76B-E6D9D5E243D0}" dt="2021-10-21T09:42:42.678" v="3035" actId="14100"/>
+        <pc:picChg chg="add mod">
+          <ac:chgData name="Ahmed, Turab (Cognizant)" userId="57034c97-ae12-4f24-9bec-916e0bec6440" providerId="ADAL" clId="{28C1D5EE-185F-4949-A76B-E6D9D5E243D0}" dt="2021-10-22T10:52:48.173" v="6410" actId="14100"/>
+          <ac:picMkLst>
+            <pc:docMk/>
+            <pc:sldMk cId="1952378530" sldId="284"/>
+            <ac:picMk id="8" creationId="{FA7243FC-9948-4E82-8F9F-CFA72271A35D}"/>
+          </ac:picMkLst>
+        </pc:picChg>
+        <pc:picChg chg="add del mod modCrop">
+          <ac:chgData name="Ahmed, Turab (Cognizant)" userId="57034c97-ae12-4f24-9bec-916e0bec6440" providerId="ADAL" clId="{28C1D5EE-185F-4949-A76B-E6D9D5E243D0}" dt="2021-10-22T10:52:29.560" v="6406" actId="478"/>
           <ac:picMkLst>
             <pc:docMk/>
             <pc:sldMk cId="1952378530" sldId="284"/>
             <ac:picMk id="9" creationId="{EC2F2486-CC06-45F8-9278-39857A4FCA1D}"/>
           </ac:picMkLst>
         </pc:picChg>
+        <pc:picChg chg="add mod">
+          <ac:chgData name="Ahmed, Turab (Cognizant)" userId="57034c97-ae12-4f24-9bec-916e0bec6440" providerId="ADAL" clId="{28C1D5EE-185F-4949-A76B-E6D9D5E243D0}" dt="2021-10-22T10:53:09.689" v="6416" actId="14100"/>
+          <ac:picMkLst>
+            <pc:docMk/>
+            <pc:sldMk cId="1952378530" sldId="284"/>
+            <ac:picMk id="11" creationId="{FFBA7985-AF03-442E-9418-3CAAB958145F}"/>
+          </ac:picMkLst>
+        </pc:picChg>
       </pc:sldChg>
-      <pc:sldChg chg="addSp modSp new mod">
-        <pc:chgData name="Ahmed, Turab (Cognizant)" userId="57034c97-ae12-4f24-9bec-916e0bec6440" providerId="ADAL" clId="{28C1D5EE-185F-4949-A76B-E6D9D5E243D0}" dt="2021-10-21T09:43:53.318" v="3114" actId="14100"/>
+      <pc:sldChg chg="addSp delSp modSp new mod">
+        <pc:chgData name="Ahmed, Turab (Cognizant)" userId="57034c97-ae12-4f24-9bec-916e0bec6440" providerId="ADAL" clId="{28C1D5EE-185F-4949-A76B-E6D9D5E243D0}" dt="2021-10-28T08:12:23.150" v="7066" actId="1076"/>
         <pc:sldMkLst>
           <pc:docMk/>
           <pc:sldMk cId="3441588906" sldId="285"/>
         </pc:sldMkLst>
         <pc:spChg chg="mod">
-          <ac:chgData name="Ahmed, Turab (Cognizant)" userId="57034c97-ae12-4f24-9bec-916e0bec6440" providerId="ADAL" clId="{28C1D5EE-185F-4949-A76B-E6D9D5E243D0}" dt="2021-10-21T09:43:44.485" v="3110" actId="14100"/>
+          <ac:chgData name="Ahmed, Turab (Cognizant)" userId="57034c97-ae12-4f24-9bec-916e0bec6440" providerId="ADAL" clId="{28C1D5EE-185F-4949-A76B-E6D9D5E243D0}" dt="2021-10-28T08:12:17.655" v="7064" actId="14100"/>
           <ac:spMkLst>
             <pc:docMk/>
             <pc:sldMk cId="3441588906" sldId="285"/>
             <ac:spMk id="3" creationId="{A16220E7-1A9E-4DF7-8020-7C69D5D76D9A}"/>
           </ac:spMkLst>
         </pc:spChg>
-        <pc:picChg chg="add mod">
-          <ac:chgData name="Ahmed, Turab (Cognizant)" userId="57034c97-ae12-4f24-9bec-916e0bec6440" providerId="ADAL" clId="{28C1D5EE-185F-4949-A76B-E6D9D5E243D0}" dt="2021-10-21T09:43:26.918" v="3106" actId="14100"/>
+        <pc:picChg chg="add del mod">
+          <ac:chgData name="Ahmed, Turab (Cognizant)" userId="57034c97-ae12-4f24-9bec-916e0bec6440" providerId="ADAL" clId="{28C1D5EE-185F-4949-A76B-E6D9D5E243D0}" dt="2021-10-22T10:53:28.886" v="6417" actId="478"/>
           <ac:picMkLst>
             <pc:docMk/>
             <pc:sldMk cId="3441588906" sldId="285"/>
@@ -2773,16 +2893,32 @@
           </ac:picMkLst>
         </pc:picChg>
         <pc:picChg chg="add mod">
-          <ac:chgData name="Ahmed, Turab (Cognizant)" userId="57034c97-ae12-4f24-9bec-916e0bec6440" providerId="ADAL" clId="{28C1D5EE-185F-4949-A76B-E6D9D5E243D0}" dt="2021-10-21T09:43:53.318" v="3114" actId="14100"/>
+          <ac:chgData name="Ahmed, Turab (Cognizant)" userId="57034c97-ae12-4f24-9bec-916e0bec6440" providerId="ADAL" clId="{28C1D5EE-185F-4949-A76B-E6D9D5E243D0}" dt="2021-10-28T08:12:20.446" v="7065" actId="1076"/>
+          <ac:picMkLst>
+            <pc:docMk/>
+            <pc:sldMk cId="3441588906" sldId="285"/>
+            <ac:picMk id="6" creationId="{3168CF52-BCEB-49FC-BF00-B0D04C5788A1}"/>
+          </ac:picMkLst>
+        </pc:picChg>
+        <pc:picChg chg="add del mod">
+          <ac:chgData name="Ahmed, Turab (Cognizant)" userId="57034c97-ae12-4f24-9bec-916e0bec6440" providerId="ADAL" clId="{28C1D5EE-185F-4949-A76B-E6D9D5E243D0}" dt="2021-10-22T10:53:30.420" v="6418" actId="478"/>
           <ac:picMkLst>
             <pc:docMk/>
             <pc:sldMk cId="3441588906" sldId="285"/>
             <ac:picMk id="7" creationId="{C0017B39-AEB6-43D8-A702-4D4A79393F16}"/>
           </ac:picMkLst>
         </pc:picChg>
+        <pc:picChg chg="add mod">
+          <ac:chgData name="Ahmed, Turab (Cognizant)" userId="57034c97-ae12-4f24-9bec-916e0bec6440" providerId="ADAL" clId="{28C1D5EE-185F-4949-A76B-E6D9D5E243D0}" dt="2021-10-28T08:12:23.150" v="7066" actId="1076"/>
+          <ac:picMkLst>
+            <pc:docMk/>
+            <pc:sldMk cId="3441588906" sldId="285"/>
+            <ac:picMk id="9" creationId="{AF483DB6-45C9-47EA-9551-D7FF5AAC8413}"/>
+          </ac:picMkLst>
+        </pc:picChg>
       </pc:sldChg>
-      <pc:sldChg chg="addSp modSp new mod">
-        <pc:chgData name="Ahmed, Turab (Cognizant)" userId="57034c97-ae12-4f24-9bec-916e0bec6440" providerId="ADAL" clId="{28C1D5EE-185F-4949-A76B-E6D9D5E243D0}" dt="2021-10-21T09:48:52.694" v="3285" actId="1076"/>
+      <pc:sldChg chg="addSp delSp modSp new mod">
+        <pc:chgData name="Ahmed, Turab (Cognizant)" userId="57034c97-ae12-4f24-9bec-916e0bec6440" providerId="ADAL" clId="{28C1D5EE-185F-4949-A76B-E6D9D5E243D0}" dt="2021-10-22T10:54:52.961" v="6441" actId="20577"/>
         <pc:sldMkLst>
           <pc:docMk/>
           <pc:sldMk cId="4240065884" sldId="286"/>
@@ -2796,7 +2932,7 @@
           </ac:spMkLst>
         </pc:spChg>
         <pc:spChg chg="mod">
-          <ac:chgData name="Ahmed, Turab (Cognizant)" userId="57034c97-ae12-4f24-9bec-916e0bec6440" providerId="ADAL" clId="{28C1D5EE-185F-4949-A76B-E6D9D5E243D0}" dt="2021-10-21T09:48:26.093" v="3278" actId="20577"/>
+          <ac:chgData name="Ahmed, Turab (Cognizant)" userId="57034c97-ae12-4f24-9bec-916e0bec6440" providerId="ADAL" clId="{28C1D5EE-185F-4949-A76B-E6D9D5E243D0}" dt="2021-10-22T10:54:52.961" v="6441" actId="20577"/>
           <ac:spMkLst>
             <pc:docMk/>
             <pc:sldMk cId="4240065884" sldId="286"/>
@@ -2828,7 +2964,15 @@
           </ac:picMkLst>
         </pc:picChg>
         <pc:picChg chg="add mod">
-          <ac:chgData name="Ahmed, Turab (Cognizant)" userId="57034c97-ae12-4f24-9bec-916e0bec6440" providerId="ADAL" clId="{28C1D5EE-185F-4949-A76B-E6D9D5E243D0}" dt="2021-10-21T09:48:52.694" v="3285" actId="1076"/>
+          <ac:chgData name="Ahmed, Turab (Cognizant)" userId="57034c97-ae12-4f24-9bec-916e0bec6440" providerId="ADAL" clId="{28C1D5EE-185F-4949-A76B-E6D9D5E243D0}" dt="2021-10-22T10:54:49.353" v="6438" actId="14100"/>
+          <ac:picMkLst>
+            <pc:docMk/>
+            <pc:sldMk cId="4240065884" sldId="286"/>
+            <ac:picMk id="8" creationId="{7572BBC9-CDB8-4C7C-98F0-6E4FC5619EBE}"/>
+          </ac:picMkLst>
+        </pc:picChg>
+        <pc:picChg chg="add del mod">
+          <ac:chgData name="Ahmed, Turab (Cognizant)" userId="57034c97-ae12-4f24-9bec-916e0bec6440" providerId="ADAL" clId="{28C1D5EE-185F-4949-A76B-E6D9D5E243D0}" dt="2021-10-22T10:54:37.065" v="6433" actId="478"/>
           <ac:picMkLst>
             <pc:docMk/>
             <pc:sldMk cId="4240065884" sldId="286"/>
@@ -2836,22 +2980,22 @@
           </ac:picMkLst>
         </pc:picChg>
       </pc:sldChg>
-      <pc:sldChg chg="addSp modSp new mod">
-        <pc:chgData name="Ahmed, Turab (Cognizant)" userId="57034c97-ae12-4f24-9bec-916e0bec6440" providerId="ADAL" clId="{28C1D5EE-185F-4949-A76B-E6D9D5E243D0}" dt="2021-10-21T09:49:48.558" v="3301" actId="14100"/>
+      <pc:sldChg chg="addSp delSp modSp new mod">
+        <pc:chgData name="Ahmed, Turab (Cognizant)" userId="57034c97-ae12-4f24-9bec-916e0bec6440" providerId="ADAL" clId="{28C1D5EE-185F-4949-A76B-E6D9D5E243D0}" dt="2021-10-28T08:12:39.782" v="7069" actId="14100"/>
         <pc:sldMkLst>
           <pc:docMk/>
           <pc:sldMk cId="1055022698" sldId="287"/>
         </pc:sldMkLst>
         <pc:spChg chg="mod">
-          <ac:chgData name="Ahmed, Turab (Cognizant)" userId="57034c97-ae12-4f24-9bec-916e0bec6440" providerId="ADAL" clId="{28C1D5EE-185F-4949-A76B-E6D9D5E243D0}" dt="2021-10-21T09:49:12.109" v="3287" actId="14100"/>
+          <ac:chgData name="Ahmed, Turab (Cognizant)" userId="57034c97-ae12-4f24-9bec-916e0bec6440" providerId="ADAL" clId="{28C1D5EE-185F-4949-A76B-E6D9D5E243D0}" dt="2021-10-22T10:56:05.374" v="6453" actId="14100"/>
           <ac:spMkLst>
             <pc:docMk/>
             <pc:sldMk cId="1055022698" sldId="287"/>
             <ac:spMk id="3" creationId="{D2323D22-7E41-4605-A0FF-AE30FDCC8062}"/>
           </ac:spMkLst>
         </pc:spChg>
-        <pc:picChg chg="add mod">
-          <ac:chgData name="Ahmed, Turab (Cognizant)" userId="57034c97-ae12-4f24-9bec-916e0bec6440" providerId="ADAL" clId="{28C1D5EE-185F-4949-A76B-E6D9D5E243D0}" dt="2021-10-21T09:49:20.838" v="3292" actId="14100"/>
+        <pc:picChg chg="add del mod">
+          <ac:chgData name="Ahmed, Turab (Cognizant)" userId="57034c97-ae12-4f24-9bec-916e0bec6440" providerId="ADAL" clId="{28C1D5EE-185F-4949-A76B-E6D9D5E243D0}" dt="2021-10-22T10:55:01.675" v="6443" actId="478"/>
           <ac:picMkLst>
             <pc:docMk/>
             <pc:sldMk cId="1055022698" sldId="287"/>
@@ -2859,16 +3003,32 @@
           </ac:picMkLst>
         </pc:picChg>
         <pc:picChg chg="add mod">
-          <ac:chgData name="Ahmed, Turab (Cognizant)" userId="57034c97-ae12-4f24-9bec-916e0bec6440" providerId="ADAL" clId="{28C1D5EE-185F-4949-A76B-E6D9D5E243D0}" dt="2021-10-21T09:49:48.558" v="3301" actId="14100"/>
+          <ac:chgData name="Ahmed, Turab (Cognizant)" userId="57034c97-ae12-4f24-9bec-916e0bec6440" providerId="ADAL" clId="{28C1D5EE-185F-4949-A76B-E6D9D5E243D0}" dt="2021-10-28T08:12:34.206" v="7067" actId="1076"/>
+          <ac:picMkLst>
+            <pc:docMk/>
+            <pc:sldMk cId="1055022698" sldId="287"/>
+            <ac:picMk id="6" creationId="{0C8619F8-4F83-498E-9742-AC3964C9AF59}"/>
+          </ac:picMkLst>
+        </pc:picChg>
+        <pc:picChg chg="add del mod">
+          <ac:chgData name="Ahmed, Turab (Cognizant)" userId="57034c97-ae12-4f24-9bec-916e0bec6440" providerId="ADAL" clId="{28C1D5EE-185F-4949-A76B-E6D9D5E243D0}" dt="2021-10-22T10:55:00.341" v="6442" actId="478"/>
           <ac:picMkLst>
             <pc:docMk/>
             <pc:sldMk cId="1055022698" sldId="287"/>
             <ac:picMk id="7" creationId="{61B9B3DF-EA18-4389-98C8-FE605B4F7F8B}"/>
           </ac:picMkLst>
         </pc:picChg>
+        <pc:picChg chg="add mod">
+          <ac:chgData name="Ahmed, Turab (Cognizant)" userId="57034c97-ae12-4f24-9bec-916e0bec6440" providerId="ADAL" clId="{28C1D5EE-185F-4949-A76B-E6D9D5E243D0}" dt="2021-10-28T08:12:39.782" v="7069" actId="14100"/>
+          <ac:picMkLst>
+            <pc:docMk/>
+            <pc:sldMk cId="1055022698" sldId="287"/>
+            <ac:picMk id="9" creationId="{EB45BCFE-CC80-40DF-AFAD-79FDE3AB986D}"/>
+          </ac:picMkLst>
+        </pc:picChg>
       </pc:sldChg>
-      <pc:sldChg chg="addSp modSp new mod">
-        <pc:chgData name="Ahmed, Turab (Cognizant)" userId="57034c97-ae12-4f24-9bec-916e0bec6440" providerId="ADAL" clId="{28C1D5EE-185F-4949-A76B-E6D9D5E243D0}" dt="2021-10-21T09:53:58.214" v="3463" actId="14100"/>
+      <pc:sldChg chg="addSp delSp modSp new mod">
+        <pc:chgData name="Ahmed, Turab (Cognizant)" userId="57034c97-ae12-4f24-9bec-916e0bec6440" providerId="ADAL" clId="{28C1D5EE-185F-4949-A76B-E6D9D5E243D0}" dt="2021-10-22T10:57:32.539" v="6470" actId="20577"/>
         <pc:sldMkLst>
           <pc:docMk/>
           <pc:sldMk cId="2914436024" sldId="288"/>
@@ -2882,7 +3042,7 @@
           </ac:spMkLst>
         </pc:spChg>
         <pc:spChg chg="mod">
-          <ac:chgData name="Ahmed, Turab (Cognizant)" userId="57034c97-ae12-4f24-9bec-916e0bec6440" providerId="ADAL" clId="{28C1D5EE-185F-4949-A76B-E6D9D5E243D0}" dt="2021-10-21T09:53:38.772" v="3455" actId="20577"/>
+          <ac:chgData name="Ahmed, Turab (Cognizant)" userId="57034c97-ae12-4f24-9bec-916e0bec6440" providerId="ADAL" clId="{28C1D5EE-185F-4949-A76B-E6D9D5E243D0}" dt="2021-10-22T10:57:32.539" v="6470" actId="20577"/>
           <ac:spMkLst>
             <pc:docMk/>
             <pc:sldMk cId="2914436024" sldId="288"/>
@@ -2905,8 +3065,8 @@
             <ac:picMk id="5" creationId="{1918E8A6-1617-4174-9033-1AF77E3E4334}"/>
           </ac:picMkLst>
         </pc:picChg>
-        <pc:picChg chg="add mod">
-          <ac:chgData name="Ahmed, Turab (Cognizant)" userId="57034c97-ae12-4f24-9bec-916e0bec6440" providerId="ADAL" clId="{28C1D5EE-185F-4949-A76B-E6D9D5E243D0}" dt="2021-10-21T09:53:52.989" v="3461" actId="14100"/>
+        <pc:picChg chg="add del mod">
+          <ac:chgData name="Ahmed, Turab (Cognizant)" userId="57034c97-ae12-4f24-9bec-916e0bec6440" providerId="ADAL" clId="{28C1D5EE-185F-4949-A76B-E6D9D5E243D0}" dt="2021-10-22T10:56:23.680" v="6455" actId="478"/>
           <ac:picMkLst>
             <pc:docMk/>
             <pc:sldMk cId="2914436024" sldId="288"/>
@@ -2914,16 +3074,32 @@
           </ac:picMkLst>
         </pc:picChg>
         <pc:picChg chg="add mod">
-          <ac:chgData name="Ahmed, Turab (Cognizant)" userId="57034c97-ae12-4f24-9bec-916e0bec6440" providerId="ADAL" clId="{28C1D5EE-185F-4949-A76B-E6D9D5E243D0}" dt="2021-10-21T09:53:58.214" v="3463" actId="14100"/>
+          <ac:chgData name="Ahmed, Turab (Cognizant)" userId="57034c97-ae12-4f24-9bec-916e0bec6440" providerId="ADAL" clId="{28C1D5EE-185F-4949-A76B-E6D9D5E243D0}" dt="2021-10-22T10:57:23.480" v="6466" actId="14100"/>
+          <ac:picMkLst>
+            <pc:docMk/>
+            <pc:sldMk cId="2914436024" sldId="288"/>
+            <ac:picMk id="8" creationId="{45BDF4A4-1366-451F-890A-3ADBEA7F5072}"/>
+          </ac:picMkLst>
+        </pc:picChg>
+        <pc:picChg chg="add del mod">
+          <ac:chgData name="Ahmed, Turab (Cognizant)" userId="57034c97-ae12-4f24-9bec-916e0bec6440" providerId="ADAL" clId="{28C1D5EE-185F-4949-A76B-E6D9D5E243D0}" dt="2021-10-22T10:56:25.166" v="6456" actId="478"/>
           <ac:picMkLst>
             <pc:docMk/>
             <pc:sldMk cId="2914436024" sldId="288"/>
             <ac:picMk id="9" creationId="{6023BE54-1BC2-42FC-A4C2-DFC836789369}"/>
           </ac:picMkLst>
         </pc:picChg>
+        <pc:picChg chg="add mod">
+          <ac:chgData name="Ahmed, Turab (Cognizant)" userId="57034c97-ae12-4f24-9bec-916e0bec6440" providerId="ADAL" clId="{28C1D5EE-185F-4949-A76B-E6D9D5E243D0}" dt="2021-10-22T10:57:27.560" v="6468" actId="14100"/>
+          <ac:picMkLst>
+            <pc:docMk/>
+            <pc:sldMk cId="2914436024" sldId="288"/>
+            <ac:picMk id="11" creationId="{6277CF5D-3284-45D1-9423-6DE251DE1487}"/>
+          </ac:picMkLst>
+        </pc:picChg>
       </pc:sldChg>
       <pc:sldChg chg="addSp delSp modSp new mod">
-        <pc:chgData name="Ahmed, Turab (Cognizant)" userId="57034c97-ae12-4f24-9bec-916e0bec6440" providerId="ADAL" clId="{28C1D5EE-185F-4949-A76B-E6D9D5E243D0}" dt="2021-10-21T09:55:27.942" v="3489" actId="14100"/>
+        <pc:chgData name="Ahmed, Turab (Cognizant)" userId="57034c97-ae12-4f24-9bec-916e0bec6440" providerId="ADAL" clId="{28C1D5EE-185F-4949-A76B-E6D9D5E243D0}" dt="2021-10-22T10:58:18.207" v="6483" actId="14100"/>
         <pc:sldMkLst>
           <pc:docMk/>
           <pc:sldMk cId="1847481250" sldId="289"/>
@@ -2945,7 +3121,15 @@
           </ac:picMkLst>
         </pc:picChg>
         <pc:picChg chg="add mod">
-          <ac:chgData name="Ahmed, Turab (Cognizant)" userId="57034c97-ae12-4f24-9bec-916e0bec6440" providerId="ADAL" clId="{28C1D5EE-185F-4949-A76B-E6D9D5E243D0}" dt="2021-10-21T09:54:53.630" v="3477" actId="1076"/>
+          <ac:chgData name="Ahmed, Turab (Cognizant)" userId="57034c97-ae12-4f24-9bec-916e0bec6440" providerId="ADAL" clId="{28C1D5EE-185F-4949-A76B-E6D9D5E243D0}" dt="2021-10-22T10:57:57.696" v="6476" actId="14100"/>
+          <ac:picMkLst>
+            <pc:docMk/>
+            <pc:sldMk cId="1847481250" sldId="289"/>
+            <ac:picMk id="5" creationId="{D23D2A26-CAEA-4E9B-BCAB-E18B94BEC77F}"/>
+          </ac:picMkLst>
+        </pc:picChg>
+        <pc:picChg chg="add del mod">
+          <ac:chgData name="Ahmed, Turab (Cognizant)" userId="57034c97-ae12-4f24-9bec-916e0bec6440" providerId="ADAL" clId="{28C1D5EE-185F-4949-A76B-E6D9D5E243D0}" dt="2021-10-22T10:57:39.414" v="6472" actId="478"/>
           <ac:picMkLst>
             <pc:docMk/>
             <pc:sldMk cId="1847481250" sldId="289"/>
@@ -2953,7 +3137,15 @@
           </ac:picMkLst>
         </pc:picChg>
         <pc:picChg chg="add mod">
-          <ac:chgData name="Ahmed, Turab (Cognizant)" userId="57034c97-ae12-4f24-9bec-916e0bec6440" providerId="ADAL" clId="{28C1D5EE-185F-4949-A76B-E6D9D5E243D0}" dt="2021-10-21T09:55:27.942" v="3489" actId="14100"/>
+          <ac:chgData name="Ahmed, Turab (Cognizant)" userId="57034c97-ae12-4f24-9bec-916e0bec6440" providerId="ADAL" clId="{28C1D5EE-185F-4949-A76B-E6D9D5E243D0}" dt="2021-10-22T10:58:18.207" v="6483" actId="14100"/>
+          <ac:picMkLst>
+            <pc:docMk/>
+            <pc:sldMk cId="1847481250" sldId="289"/>
+            <ac:picMk id="8" creationId="{9B9F2BC9-E642-4D2C-A080-D114228C6DAA}"/>
+          </ac:picMkLst>
+        </pc:picChg>
+        <pc:picChg chg="add del mod">
+          <ac:chgData name="Ahmed, Turab (Cognizant)" userId="57034c97-ae12-4f24-9bec-916e0bec6440" providerId="ADAL" clId="{28C1D5EE-185F-4949-A76B-E6D9D5E243D0}" dt="2021-10-22T10:57:38.105" v="6471" actId="478"/>
           <ac:picMkLst>
             <pc:docMk/>
             <pc:sldMk cId="1847481250" sldId="289"/>
@@ -2961,8 +3153,8 @@
           </ac:picMkLst>
         </pc:picChg>
       </pc:sldChg>
-      <pc:sldChg chg="addSp modSp new mod">
-        <pc:chgData name="Ahmed, Turab (Cognizant)" userId="57034c97-ae12-4f24-9bec-916e0bec6440" providerId="ADAL" clId="{28C1D5EE-185F-4949-A76B-E6D9D5E243D0}" dt="2021-10-21T10:03:08.718" v="3540" actId="14100"/>
+      <pc:sldChg chg="addSp delSp modSp new mod">
+        <pc:chgData name="Ahmed, Turab (Cognizant)" userId="57034c97-ae12-4f24-9bec-916e0bec6440" providerId="ADAL" clId="{28C1D5EE-185F-4949-A76B-E6D9D5E243D0}" dt="2021-10-22T10:59:03.386" v="6492" actId="14100"/>
         <pc:sldMkLst>
           <pc:docMk/>
           <pc:sldMk cId="953348562" sldId="290"/>
@@ -2999,17 +3191,25 @@
             <ac:picMk id="5" creationId="{5BD055B7-5293-42B7-A085-EB610AED513E}"/>
           </ac:picMkLst>
         </pc:picChg>
-        <pc:picChg chg="add mod">
-          <ac:chgData name="Ahmed, Turab (Cognizant)" userId="57034c97-ae12-4f24-9bec-916e0bec6440" providerId="ADAL" clId="{28C1D5EE-185F-4949-A76B-E6D9D5E243D0}" dt="2021-10-21T10:03:08.718" v="3540" actId="14100"/>
+        <pc:picChg chg="add del mod">
+          <ac:chgData name="Ahmed, Turab (Cognizant)" userId="57034c97-ae12-4f24-9bec-916e0bec6440" providerId="ADAL" clId="{28C1D5EE-185F-4949-A76B-E6D9D5E243D0}" dt="2021-10-22T10:58:39.399" v="6484" actId="478"/>
           <ac:picMkLst>
             <pc:docMk/>
             <pc:sldMk cId="953348562" sldId="290"/>
             <ac:picMk id="7" creationId="{08F5444E-BEB3-4D53-B230-DFACDBDFA39C}"/>
           </ac:picMkLst>
         </pc:picChg>
+        <pc:picChg chg="add mod">
+          <ac:chgData name="Ahmed, Turab (Cognizant)" userId="57034c97-ae12-4f24-9bec-916e0bec6440" providerId="ADAL" clId="{28C1D5EE-185F-4949-A76B-E6D9D5E243D0}" dt="2021-10-22T10:59:03.386" v="6492" actId="14100"/>
+          <ac:picMkLst>
+            <pc:docMk/>
+            <pc:sldMk cId="953348562" sldId="290"/>
+            <ac:picMk id="8" creationId="{4945636A-2F50-4959-8A27-E5143FFDBFE6}"/>
+          </ac:picMkLst>
+        </pc:picChg>
       </pc:sldChg>
-      <pc:sldChg chg="addSp modSp new mod">
-        <pc:chgData name="Ahmed, Turab (Cognizant)" userId="57034c97-ae12-4f24-9bec-916e0bec6440" providerId="ADAL" clId="{28C1D5EE-185F-4949-A76B-E6D9D5E243D0}" dt="2021-10-21T10:04:14.614" v="3553" actId="14100"/>
+      <pc:sldChg chg="addSp delSp modSp new mod">
+        <pc:chgData name="Ahmed, Turab (Cognizant)" userId="57034c97-ae12-4f24-9bec-916e0bec6440" providerId="ADAL" clId="{28C1D5EE-185F-4949-A76B-E6D9D5E243D0}" dt="2021-10-22T10:59:54.058" v="6502" actId="14100"/>
         <pc:sldMkLst>
           <pc:docMk/>
           <pc:sldMk cId="52521937" sldId="291"/>
@@ -3022,8 +3222,8 @@
             <ac:spMk id="3" creationId="{AB1D06B0-E01B-42B5-B800-0A6D63E6DAAE}"/>
           </ac:spMkLst>
         </pc:spChg>
-        <pc:picChg chg="add mod">
-          <ac:chgData name="Ahmed, Turab (Cognizant)" userId="57034c97-ae12-4f24-9bec-916e0bec6440" providerId="ADAL" clId="{28C1D5EE-185F-4949-A76B-E6D9D5E243D0}" dt="2021-10-21T10:03:50.230" v="3546" actId="1076"/>
+        <pc:picChg chg="add del mod">
+          <ac:chgData name="Ahmed, Turab (Cognizant)" userId="57034c97-ae12-4f24-9bec-916e0bec6440" providerId="ADAL" clId="{28C1D5EE-185F-4949-A76B-E6D9D5E243D0}" dt="2021-10-22T10:59:14.683" v="6493" actId="478"/>
           <ac:picMkLst>
             <pc:docMk/>
             <pc:sldMk cId="52521937" sldId="291"/>
@@ -3031,16 +3231,32 @@
           </ac:picMkLst>
         </pc:picChg>
         <pc:picChg chg="add mod">
-          <ac:chgData name="Ahmed, Turab (Cognizant)" userId="57034c97-ae12-4f24-9bec-916e0bec6440" providerId="ADAL" clId="{28C1D5EE-185F-4949-A76B-E6D9D5E243D0}" dt="2021-10-21T10:04:14.614" v="3553" actId="14100"/>
+          <ac:chgData name="Ahmed, Turab (Cognizant)" userId="57034c97-ae12-4f24-9bec-916e0bec6440" providerId="ADAL" clId="{28C1D5EE-185F-4949-A76B-E6D9D5E243D0}" dt="2021-10-22T10:59:32.401" v="6498" actId="14100"/>
+          <ac:picMkLst>
+            <pc:docMk/>
+            <pc:sldMk cId="52521937" sldId="291"/>
+            <ac:picMk id="6" creationId="{4EBB6BF3-0C39-4465-8932-9686F2B778BD}"/>
+          </ac:picMkLst>
+        </pc:picChg>
+        <pc:picChg chg="add del mod">
+          <ac:chgData name="Ahmed, Turab (Cognizant)" userId="57034c97-ae12-4f24-9bec-916e0bec6440" providerId="ADAL" clId="{28C1D5EE-185F-4949-A76B-E6D9D5E243D0}" dt="2021-10-22T10:59:16.162" v="6494" actId="478"/>
           <ac:picMkLst>
             <pc:docMk/>
             <pc:sldMk cId="52521937" sldId="291"/>
             <ac:picMk id="7" creationId="{D3861D8C-7D97-405C-8338-2B5D72B03F96}"/>
           </ac:picMkLst>
         </pc:picChg>
+        <pc:picChg chg="add mod">
+          <ac:chgData name="Ahmed, Turab (Cognizant)" userId="57034c97-ae12-4f24-9bec-916e0bec6440" providerId="ADAL" clId="{28C1D5EE-185F-4949-A76B-E6D9D5E243D0}" dt="2021-10-22T10:59:54.058" v="6502" actId="14100"/>
+          <ac:picMkLst>
+            <pc:docMk/>
+            <pc:sldMk cId="52521937" sldId="291"/>
+            <ac:picMk id="9" creationId="{6622796B-F11F-4D2A-A005-2D41736D7A37}"/>
+          </ac:picMkLst>
+        </pc:picChg>
       </pc:sldChg>
-      <pc:sldChg chg="addSp modSp new mod">
-        <pc:chgData name="Ahmed, Turab (Cognizant)" userId="57034c97-ae12-4f24-9bec-916e0bec6440" providerId="ADAL" clId="{28C1D5EE-185F-4949-A76B-E6D9D5E243D0}" dt="2021-10-21T11:23:29.920" v="3819" actId="1076"/>
+      <pc:sldChg chg="addSp delSp modSp new mod">
+        <pc:chgData name="Ahmed, Turab (Cognizant)" userId="57034c97-ae12-4f24-9bec-916e0bec6440" providerId="ADAL" clId="{28C1D5EE-185F-4949-A76B-E6D9D5E243D0}" dt="2021-10-22T11:05:57.933" v="6612" actId="1076"/>
         <pc:sldMkLst>
           <pc:docMk/>
           <pc:sldMk cId="2219935586" sldId="292"/>
@@ -3061,17 +3277,33 @@
             <ac:spMk id="3" creationId="{8DECBFFC-DF3B-4E4B-878A-A3125A752EAC}"/>
           </ac:spMkLst>
         </pc:spChg>
-        <pc:picChg chg="add mod modCrop">
-          <ac:chgData name="Ahmed, Turab (Cognizant)" userId="57034c97-ae12-4f24-9bec-916e0bec6440" providerId="ADAL" clId="{28C1D5EE-185F-4949-A76B-E6D9D5E243D0}" dt="2021-10-21T11:23:29.920" v="3819" actId="1076"/>
+        <pc:picChg chg="add del mod modCrop">
+          <ac:chgData name="Ahmed, Turab (Cognizant)" userId="57034c97-ae12-4f24-9bec-916e0bec6440" providerId="ADAL" clId="{28C1D5EE-185F-4949-A76B-E6D9D5E243D0}" dt="2021-10-22T11:00:21.062" v="6503" actId="478"/>
           <ac:picMkLst>
             <pc:docMk/>
             <pc:sldMk cId="2219935586" sldId="292"/>
             <ac:picMk id="5" creationId="{09A815D1-4108-402D-BFDA-93B3F3EEB0D7}"/>
           </ac:picMkLst>
         </pc:picChg>
+        <pc:picChg chg="add del mod">
+          <ac:chgData name="Ahmed, Turab (Cognizant)" userId="57034c97-ae12-4f24-9bec-916e0bec6440" providerId="ADAL" clId="{28C1D5EE-185F-4949-A76B-E6D9D5E243D0}" dt="2021-10-22T11:05:49.935" v="6607" actId="478"/>
+          <ac:picMkLst>
+            <pc:docMk/>
+            <pc:sldMk cId="2219935586" sldId="292"/>
+            <ac:picMk id="6" creationId="{967FA164-B1EF-487A-8998-6490B4206F01}"/>
+          </ac:picMkLst>
+        </pc:picChg>
+        <pc:picChg chg="add mod">
+          <ac:chgData name="Ahmed, Turab (Cognizant)" userId="57034c97-ae12-4f24-9bec-916e0bec6440" providerId="ADAL" clId="{28C1D5EE-185F-4949-A76B-E6D9D5E243D0}" dt="2021-10-22T11:05:57.933" v="6612" actId="1076"/>
+          <ac:picMkLst>
+            <pc:docMk/>
+            <pc:sldMk cId="2219935586" sldId="292"/>
+            <ac:picMk id="8" creationId="{384B71C0-52CB-49AA-8FFD-49250EAECBFD}"/>
+          </ac:picMkLst>
+        </pc:picChg>
       </pc:sldChg>
-      <pc:sldChg chg="addSp modSp new mod">
-        <pc:chgData name="Ahmed, Turab (Cognizant)" userId="57034c97-ae12-4f24-9bec-916e0bec6440" providerId="ADAL" clId="{28C1D5EE-185F-4949-A76B-E6D9D5E243D0}" dt="2021-10-21T11:34:52.351" v="4668" actId="20577"/>
+      <pc:sldChg chg="addSp delSp modSp new mod">
+        <pc:chgData name="Ahmed, Turab (Cognizant)" userId="57034c97-ae12-4f24-9bec-916e0bec6440" providerId="ADAL" clId="{28C1D5EE-185F-4949-A76B-E6D9D5E243D0}" dt="2021-10-22T11:02:13.158" v="6524" actId="14100"/>
         <pc:sldMkLst>
           <pc:docMk/>
           <pc:sldMk cId="3087329684" sldId="293"/>
@@ -3092,8 +3324,8 @@
             <ac:spMk id="3" creationId="{D47148AE-B805-4E82-95F6-25F76D81AFDD}"/>
           </ac:spMkLst>
         </pc:spChg>
-        <pc:picChg chg="add mod">
-          <ac:chgData name="Ahmed, Turab (Cognizant)" userId="57034c97-ae12-4f24-9bec-916e0bec6440" providerId="ADAL" clId="{28C1D5EE-185F-4949-A76B-E6D9D5E243D0}" dt="2021-10-21T11:22:09.640" v="3802" actId="1076"/>
+        <pc:picChg chg="add del mod">
+          <ac:chgData name="Ahmed, Turab (Cognizant)" userId="57034c97-ae12-4f24-9bec-916e0bec6440" providerId="ADAL" clId="{28C1D5EE-185F-4949-A76B-E6D9D5E243D0}" dt="2021-10-22T11:01:14.235" v="6509" actId="478"/>
           <ac:picMkLst>
             <pc:docMk/>
             <pc:sldMk cId="3087329684" sldId="293"/>
@@ -3101,24 +3333,48 @@
           </ac:picMkLst>
         </pc:picChg>
         <pc:picChg chg="add mod">
-          <ac:chgData name="Ahmed, Turab (Cognizant)" userId="57034c97-ae12-4f24-9bec-916e0bec6440" providerId="ADAL" clId="{28C1D5EE-185F-4949-A76B-E6D9D5E243D0}" dt="2021-10-21T11:22:31.936" v="3806" actId="1076"/>
+          <ac:chgData name="Ahmed, Turab (Cognizant)" userId="57034c97-ae12-4f24-9bec-916e0bec6440" providerId="ADAL" clId="{28C1D5EE-185F-4949-A76B-E6D9D5E243D0}" dt="2021-10-22T11:01:22.297" v="6513" actId="14100"/>
+          <ac:picMkLst>
+            <pc:docMk/>
+            <pc:sldMk cId="3087329684" sldId="293"/>
+            <ac:picMk id="6" creationId="{27E61D4A-5E68-476E-B6A8-549FC39C73D9}"/>
+          </ac:picMkLst>
+        </pc:picChg>
+        <pc:picChg chg="add del mod">
+          <ac:chgData name="Ahmed, Turab (Cognizant)" userId="57034c97-ae12-4f24-9bec-916e0bec6440" providerId="ADAL" clId="{28C1D5EE-185F-4949-A76B-E6D9D5E243D0}" dt="2021-10-22T11:01:41.330" v="6514" actId="478"/>
           <ac:picMkLst>
             <pc:docMk/>
             <pc:sldMk cId="3087329684" sldId="293"/>
             <ac:picMk id="7" creationId="{C6991B6E-EA24-4676-8F68-914194739415}"/>
           </ac:picMkLst>
         </pc:picChg>
-        <pc:picChg chg="add mod">
-          <ac:chgData name="Ahmed, Turab (Cognizant)" userId="57034c97-ae12-4f24-9bec-916e0bec6440" providerId="ADAL" clId="{28C1D5EE-185F-4949-A76B-E6D9D5E243D0}" dt="2021-10-21T11:22:52.824" v="3813" actId="14100"/>
+        <pc:picChg chg="add del mod">
+          <ac:chgData name="Ahmed, Turab (Cognizant)" userId="57034c97-ae12-4f24-9bec-916e0bec6440" providerId="ADAL" clId="{28C1D5EE-185F-4949-A76B-E6D9D5E243D0}" dt="2021-10-22T11:01:43.835" v="6516" actId="478"/>
           <ac:picMkLst>
             <pc:docMk/>
             <pc:sldMk cId="3087329684" sldId="293"/>
             <ac:picMk id="9" creationId="{ADBEFA66-FF64-468D-B513-6B73A7F4B8A4}"/>
           </ac:picMkLst>
         </pc:picChg>
+        <pc:picChg chg="add mod">
+          <ac:chgData name="Ahmed, Turab (Cognizant)" userId="57034c97-ae12-4f24-9bec-916e0bec6440" providerId="ADAL" clId="{28C1D5EE-185F-4949-A76B-E6D9D5E243D0}" dt="2021-10-22T11:01:52.484" v="6520" actId="1076"/>
+          <ac:picMkLst>
+            <pc:docMk/>
+            <pc:sldMk cId="3087329684" sldId="293"/>
+            <ac:picMk id="10" creationId="{6C6EE803-0F20-4187-9327-C5C8B9FB7174}"/>
+          </ac:picMkLst>
+        </pc:picChg>
+        <pc:picChg chg="add mod">
+          <ac:chgData name="Ahmed, Turab (Cognizant)" userId="57034c97-ae12-4f24-9bec-916e0bec6440" providerId="ADAL" clId="{28C1D5EE-185F-4949-A76B-E6D9D5E243D0}" dt="2021-10-22T11:02:13.158" v="6524" actId="14100"/>
+          <ac:picMkLst>
+            <pc:docMk/>
+            <pc:sldMk cId="3087329684" sldId="293"/>
+            <ac:picMk id="12" creationId="{F492C365-4E94-4370-BC6B-496FF1CCC06F}"/>
+          </ac:picMkLst>
+        </pc:picChg>
       </pc:sldChg>
       <pc:sldChg chg="addSp delSp modSp new mod">
-        <pc:chgData name="Ahmed, Turab (Cognizant)" userId="57034c97-ae12-4f24-9bec-916e0bec6440" providerId="ADAL" clId="{28C1D5EE-185F-4949-A76B-E6D9D5E243D0}" dt="2021-10-21T11:24:51.216" v="3828" actId="14100"/>
+        <pc:chgData name="Ahmed, Turab (Cognizant)" userId="57034c97-ae12-4f24-9bec-916e0bec6440" providerId="ADAL" clId="{28C1D5EE-185F-4949-A76B-E6D9D5E243D0}" dt="2021-10-22T11:08:55.319" v="6734" actId="14100"/>
         <pc:sldMkLst>
           <pc:docMk/>
           <pc:sldMk cId="1381234201" sldId="294"/>
@@ -3131,14 +3387,22 @@
             <ac:spMk id="3" creationId="{F2B591BC-9515-4808-AF2F-7908CCA8B7EC}"/>
           </ac:spMkLst>
         </pc:spChg>
-        <pc:picChg chg="add mod">
-          <ac:chgData name="Ahmed, Turab (Cognizant)" userId="57034c97-ae12-4f24-9bec-916e0bec6440" providerId="ADAL" clId="{28C1D5EE-185F-4949-A76B-E6D9D5E243D0}" dt="2021-10-21T11:23:15.088" v="3817" actId="1076"/>
+        <pc:picChg chg="add del mod">
+          <ac:chgData name="Ahmed, Turab (Cognizant)" userId="57034c97-ae12-4f24-9bec-916e0bec6440" providerId="ADAL" clId="{28C1D5EE-185F-4949-A76B-E6D9D5E243D0}" dt="2021-10-22T11:02:31.238" v="6525" actId="478"/>
           <ac:picMkLst>
             <pc:docMk/>
             <pc:sldMk cId="1381234201" sldId="294"/>
             <ac:picMk id="5" creationId="{EDE5A7E7-F68C-4C6C-B81E-D314FFEBB5ED}"/>
           </ac:picMkLst>
         </pc:picChg>
+        <pc:picChg chg="add mod">
+          <ac:chgData name="Ahmed, Turab (Cognizant)" userId="57034c97-ae12-4f24-9bec-916e0bec6440" providerId="ADAL" clId="{28C1D5EE-185F-4949-A76B-E6D9D5E243D0}" dt="2021-10-22T11:02:38.028" v="6529" actId="14100"/>
+          <ac:picMkLst>
+            <pc:docMk/>
+            <pc:sldMk cId="1381234201" sldId="294"/>
+            <ac:picMk id="6" creationId="{AA8B03E8-D769-44DE-8DB2-9AB5E5249BAE}"/>
+          </ac:picMkLst>
+        </pc:picChg>
         <pc:picChg chg="add del">
           <ac:chgData name="Ahmed, Turab (Cognizant)" userId="57034c97-ae12-4f24-9bec-916e0bec6440" providerId="ADAL" clId="{28C1D5EE-185F-4949-A76B-E6D9D5E243D0}" dt="2021-10-21T11:24:32.240" v="3821" actId="478"/>
           <ac:picMkLst>
@@ -3147,17 +3411,33 @@
             <ac:picMk id="7" creationId="{709E7A4D-39C8-48C1-8C3C-8557EA059735}"/>
           </ac:picMkLst>
         </pc:picChg>
-        <pc:picChg chg="add mod">
-          <ac:chgData name="Ahmed, Turab (Cognizant)" userId="57034c97-ae12-4f24-9bec-916e0bec6440" providerId="ADAL" clId="{28C1D5EE-185F-4949-A76B-E6D9D5E243D0}" dt="2021-10-21T11:24:51.216" v="3828" actId="14100"/>
+        <pc:picChg chg="add del mod">
+          <ac:chgData name="Ahmed, Turab (Cognizant)" userId="57034c97-ae12-4f24-9bec-916e0bec6440" providerId="ADAL" clId="{28C1D5EE-185F-4949-A76B-E6D9D5E243D0}" dt="2021-10-22T11:08:39.812" v="6730" actId="478"/>
+          <ac:picMkLst>
+            <pc:docMk/>
+            <pc:sldMk cId="1381234201" sldId="294"/>
+            <ac:picMk id="8" creationId="{C53D2846-2131-49D8-B1BA-E7F7C84D4A4F}"/>
+          </ac:picMkLst>
+        </pc:picChg>
+        <pc:picChg chg="add del mod">
+          <ac:chgData name="Ahmed, Turab (Cognizant)" userId="57034c97-ae12-4f24-9bec-916e0bec6440" providerId="ADAL" clId="{28C1D5EE-185F-4949-A76B-E6D9D5E243D0}" dt="2021-10-22T11:02:39.266" v="6530" actId="478"/>
           <ac:picMkLst>
             <pc:docMk/>
             <pc:sldMk cId="1381234201" sldId="294"/>
             <ac:picMk id="9" creationId="{D690EFB0-1C08-4FF9-9B99-90E280160D10}"/>
           </ac:picMkLst>
         </pc:picChg>
+        <pc:picChg chg="add mod">
+          <ac:chgData name="Ahmed, Turab (Cognizant)" userId="57034c97-ae12-4f24-9bec-916e0bec6440" providerId="ADAL" clId="{28C1D5EE-185F-4949-A76B-E6D9D5E243D0}" dt="2021-10-22T11:08:55.319" v="6734" actId="14100"/>
+          <ac:picMkLst>
+            <pc:docMk/>
+            <pc:sldMk cId="1381234201" sldId="294"/>
+            <ac:picMk id="11" creationId="{141370FD-E28D-495B-AD62-790AFE735795}"/>
+          </ac:picMkLst>
+        </pc:picChg>
       </pc:sldChg>
       <pc:sldChg chg="modSp new mod">
-        <pc:chgData name="Ahmed, Turab (Cognizant)" userId="57034c97-ae12-4f24-9bec-916e0bec6440" providerId="ADAL" clId="{28C1D5EE-185F-4949-A76B-E6D9D5E243D0}" dt="2021-10-21T11:50:15.061" v="6129" actId="113"/>
+        <pc:chgData name="Ahmed, Turab (Cognizant)" userId="57034c97-ae12-4f24-9bec-916e0bec6440" providerId="ADAL" clId="{28C1D5EE-185F-4949-A76B-E6D9D5E243D0}" dt="2021-10-22T11:04:20.106" v="6606" actId="20577"/>
         <pc:sldMkLst>
           <pc:docMk/>
           <pc:sldMk cId="710897075" sldId="295"/>
@@ -3171,7 +3451,7 @@
           </ac:spMkLst>
         </pc:spChg>
         <pc:spChg chg="mod">
-          <ac:chgData name="Ahmed, Turab (Cognizant)" userId="57034c97-ae12-4f24-9bec-916e0bec6440" providerId="ADAL" clId="{28C1D5EE-185F-4949-A76B-E6D9D5E243D0}" dt="2021-10-21T11:50:15.061" v="6129" actId="113"/>
+          <ac:chgData name="Ahmed, Turab (Cognizant)" userId="57034c97-ae12-4f24-9bec-916e0bec6440" providerId="ADAL" clId="{28C1D5EE-185F-4949-A76B-E6D9D5E243D0}" dt="2021-10-22T11:04:20.106" v="6606" actId="20577"/>
           <ac:spMkLst>
             <pc:docMk/>
             <pc:sldMk cId="710897075" sldId="295"/>
@@ -3180,7 +3460,7 @@
         </pc:spChg>
       </pc:sldChg>
       <pc:sldChg chg="modSp new mod">
-        <pc:chgData name="Ahmed, Turab (Cognizant)" userId="57034c97-ae12-4f24-9bec-916e0bec6440" providerId="ADAL" clId="{28C1D5EE-185F-4949-A76B-E6D9D5E243D0}" dt="2021-10-21T11:46:38.440" v="5962" actId="113"/>
+        <pc:chgData name="Ahmed, Turab (Cognizant)" userId="57034c97-ae12-4f24-9bec-916e0bec6440" providerId="ADAL" clId="{28C1D5EE-185F-4949-A76B-E6D9D5E243D0}" dt="2021-10-22T11:11:14.800" v="6907" actId="113"/>
         <pc:sldMkLst>
           <pc:docMk/>
           <pc:sldMk cId="1495496834" sldId="296"/>
@@ -3194,7 +3474,7 @@
           </ac:spMkLst>
         </pc:spChg>
         <pc:spChg chg="mod">
-          <ac:chgData name="Ahmed, Turab (Cognizant)" userId="57034c97-ae12-4f24-9bec-916e0bec6440" providerId="ADAL" clId="{28C1D5EE-185F-4949-A76B-E6D9D5E243D0}" dt="2021-10-21T11:46:38.440" v="5962" actId="113"/>
+          <ac:chgData name="Ahmed, Turab (Cognizant)" userId="57034c97-ae12-4f24-9bec-916e0bec6440" providerId="ADAL" clId="{28C1D5EE-185F-4949-A76B-E6D9D5E243D0}" dt="2021-10-22T11:11:14.800" v="6907" actId="113"/>
           <ac:spMkLst>
             <pc:docMk/>
             <pc:sldMk cId="1495496834" sldId="296"/>
@@ -11797,7 +12077,23 @@
                   <a:schemeClr val="accent2"/>
                 </a:solidFill>
               </a:rPr>
-              <a:t>Roc_Auc score/curve for the training dataset is 89% and for training dataset is 87%</a:t>
+              <a:t>Roc_Auc score/curve for the training dataset is 89% and </a:t>
+            </a:r>
+            <a:r>
+              <a:rPr lang="en-US" sz="1400">
+                <a:solidFill>
+                  <a:schemeClr val="accent2"/>
+                </a:solidFill>
+              </a:rPr>
+              <a:t>for testing </a:t>
+            </a:r>
+            <a:r>
+              <a:rPr lang="en-US" sz="1400" dirty="0">
+                <a:solidFill>
+                  <a:schemeClr val="accent2"/>
+                </a:solidFill>
+              </a:rPr>
+              <a:t>dataset is 87%</a:t>
             </a:r>
             <a:endParaRPr lang="en-IN" sz="1400" dirty="0">
               <a:solidFill>
@@ -11809,10 +12105,10 @@
       </p:sp>
       <p:pic>
         <p:nvPicPr>
-          <p:cNvPr id="7" name="Picture 6">
+          <p:cNvPr id="5" name="Picture 4">
             <a:extLst>
               <a:ext uri="{FF2B5EF4-FFF2-40B4-BE49-F238E27FC236}">
-                <a16:creationId xmlns:a16="http://schemas.microsoft.com/office/drawing/2014/main" id="{380AAC5A-0A94-4A26-9928-87E2667389C1}"/>
+                <a16:creationId xmlns:a16="http://schemas.microsoft.com/office/drawing/2014/main" id="{86DC1E92-A041-472F-9932-581CDD1151A3}"/>
               </a:ext>
             </a:extLst>
           </p:cNvPr>
@@ -11829,8 +12125,8 @@
         </p:blipFill>
         <p:spPr>
           <a:xfrm>
-            <a:off x="543626" y="1595470"/>
-            <a:ext cx="3363303" cy="2615379"/>
+            <a:off x="484093" y="1792668"/>
+            <a:ext cx="3643833" cy="2590113"/>
           </a:xfrm>
           <a:prstGeom prst="rect">
             <a:avLst/>
@@ -11839,10 +12135,10 @@
       </p:pic>
       <p:pic>
         <p:nvPicPr>
-          <p:cNvPr id="9" name="Picture 8">
+          <p:cNvPr id="8" name="Picture 7">
             <a:extLst>
               <a:ext uri="{FF2B5EF4-FFF2-40B4-BE49-F238E27FC236}">
-                <a16:creationId xmlns:a16="http://schemas.microsoft.com/office/drawing/2014/main" id="{4BF0D148-5131-405E-A5A5-8E435C371496}"/>
+                <a16:creationId xmlns:a16="http://schemas.microsoft.com/office/drawing/2014/main" id="{6D651F7D-B0BF-4D98-AD75-AAF13DF08368}"/>
               </a:ext>
             </a:extLst>
           </p:cNvPr>
@@ -11859,8 +12155,8 @@
         </p:blipFill>
         <p:spPr>
           <a:xfrm>
-            <a:off x="4283915" y="1595471"/>
-            <a:ext cx="3529426" cy="2615378"/>
+            <a:off x="4418318" y="1792668"/>
+            <a:ext cx="3834334" cy="2590113"/>
           </a:xfrm>
           <a:prstGeom prst="rect">
             <a:avLst/>
@@ -12061,7 +12357,7 @@
                   <a:schemeClr val="accent2"/>
                 </a:solidFill>
               </a:rPr>
-              <a:t>The training score is 100% and testing score is 92% for decision tree.</a:t>
+              <a:t>The training score is 100% and testing score is 93% for decision tree.</a:t>
             </a:r>
           </a:p>
           <a:p>
@@ -12153,36 +12449,6 @@
       </p:pic>
       <p:pic>
         <p:nvPicPr>
-          <p:cNvPr id="8" name="Picture 7">
-            <a:extLst>
-              <a:ext uri="{FF2B5EF4-FFF2-40B4-BE49-F238E27FC236}">
-                <a16:creationId xmlns:a16="http://schemas.microsoft.com/office/drawing/2014/main" id="{24EC5003-F9D0-47F2-B615-F28F6D0CE559}"/>
-              </a:ext>
-            </a:extLst>
-          </p:cNvPr>
-          <p:cNvPicPr>
-            <a:picLocks noChangeAspect="1"/>
-          </p:cNvPicPr>
-          <p:nvPr/>
-        </p:nvPicPr>
-        <p:blipFill>
-          <a:blip r:embed="rId4"/>
-          <a:stretch>
-            <a:fillRect/>
-          </a:stretch>
-        </p:blipFill>
-        <p:spPr>
-          <a:xfrm>
-            <a:off x="4210849" y="3514774"/>
-            <a:ext cx="2935302" cy="476251"/>
-          </a:xfrm>
-          <a:prstGeom prst="rect">
-            <a:avLst/>
-          </a:prstGeom>
-        </p:spPr>
-      </p:pic>
-      <p:pic>
-        <p:nvPicPr>
           <p:cNvPr id="9" name="Picture 8">
             <a:extLst>
               <a:ext uri="{FF2B5EF4-FFF2-40B4-BE49-F238E27FC236}">
@@ -12194,7 +12460,7 @@
           <p:nvPr/>
         </p:nvPicPr>
         <p:blipFill>
-          <a:blip r:embed="rId5"/>
+          <a:blip r:embed="rId4"/>
           <a:stretch>
             <a:fillRect/>
           </a:stretch>
@@ -12203,6 +12469,36 @@
           <a:xfrm>
             <a:off x="4297178" y="1872502"/>
             <a:ext cx="2562860" cy="725805"/>
+          </a:xfrm>
+          <a:prstGeom prst="rect">
+            <a:avLst/>
+          </a:prstGeom>
+        </p:spPr>
+      </p:pic>
+      <p:pic>
+        <p:nvPicPr>
+          <p:cNvPr id="7" name="Picture 6">
+            <a:extLst>
+              <a:ext uri="{FF2B5EF4-FFF2-40B4-BE49-F238E27FC236}">
+                <a16:creationId xmlns:a16="http://schemas.microsoft.com/office/drawing/2014/main" id="{EED23352-05FF-4B7B-8834-CC10695AB28D}"/>
+              </a:ext>
+            </a:extLst>
+          </p:cNvPr>
+          <p:cNvPicPr>
+            <a:picLocks noChangeAspect="1"/>
+          </p:cNvPicPr>
+          <p:nvPr/>
+        </p:nvPicPr>
+        <p:blipFill>
+          <a:blip r:embed="rId5"/>
+          <a:stretch>
+            <a:fillRect/>
+          </a:stretch>
+        </p:blipFill>
+        <p:spPr>
+          <a:xfrm>
+            <a:off x="4297178" y="3494516"/>
+            <a:ext cx="3227296" cy="496509"/>
           </a:xfrm>
           <a:prstGeom prst="rect">
             <a:avLst/>
@@ -12404,7 +12700,7 @@
                   <a:schemeClr val="accent2"/>
                 </a:solidFill>
               </a:rPr>
-              <a:t>The Roc curve for the training dataset is 70%.</a:t>
+              <a:t>The Roc curve for the training dataset is 73%.</a:t>
             </a:r>
           </a:p>
           <a:p>
@@ -12522,10 +12818,10 @@
       </p:sp>
       <p:pic>
         <p:nvPicPr>
-          <p:cNvPr id="5" name="Picture 4">
+          <p:cNvPr id="9" name="Picture 8">
             <a:extLst>
               <a:ext uri="{FF2B5EF4-FFF2-40B4-BE49-F238E27FC236}">
-                <a16:creationId xmlns:a16="http://schemas.microsoft.com/office/drawing/2014/main" id="{AEC087F4-0EC6-45DE-A03D-D5FB638EA34E}"/>
+                <a16:creationId xmlns:a16="http://schemas.microsoft.com/office/drawing/2014/main" id="{4C37FAB2-7877-48F5-B7E4-90EA6E2298C4}"/>
               </a:ext>
             </a:extLst>
           </p:cNvPr>
@@ -12542,8 +12838,8 @@
         </p:blipFill>
         <p:spPr>
           <a:xfrm>
-            <a:off x="653142" y="1178277"/>
-            <a:ext cx="4087906" cy="1185300"/>
+            <a:off x="825048" y="1136266"/>
+            <a:ext cx="3923685" cy="1345677"/>
           </a:xfrm>
           <a:prstGeom prst="rect">
             <a:avLst/>
@@ -12552,10 +12848,10 @@
       </p:pic>
       <p:pic>
         <p:nvPicPr>
-          <p:cNvPr id="7" name="Picture 6">
+          <p:cNvPr id="11" name="Picture 10">
             <a:extLst>
               <a:ext uri="{FF2B5EF4-FFF2-40B4-BE49-F238E27FC236}">
-                <a16:creationId xmlns:a16="http://schemas.microsoft.com/office/drawing/2014/main" id="{503A5A13-7A22-4DB5-942A-A78C00CF1702}"/>
+                <a16:creationId xmlns:a16="http://schemas.microsoft.com/office/drawing/2014/main" id="{AE3190B2-9BB2-4A22-AC65-312567B5845A}"/>
               </a:ext>
             </a:extLst>
           </p:cNvPr>
@@ -12572,8 +12868,8 @@
         </p:blipFill>
         <p:spPr>
           <a:xfrm>
-            <a:off x="653142" y="2902334"/>
-            <a:ext cx="3511604" cy="1884819"/>
+            <a:off x="825048" y="2896880"/>
+            <a:ext cx="3239806" cy="2059321"/>
           </a:xfrm>
           <a:prstGeom prst="rect">
             <a:avLst/>
@@ -12760,7 +13056,7 @@
                   <a:schemeClr val="accent2"/>
                 </a:solidFill>
               </a:rPr>
-              <a:t>The training score for KNN is 96% and test score is 88%.</a:t>
+              <a:t>The training score for KNN is 95% and test score is 86%.</a:t>
             </a:r>
           </a:p>
         </p:txBody>
@@ -12802,10 +13098,10 @@
       </p:pic>
       <p:pic>
         <p:nvPicPr>
-          <p:cNvPr id="6" name="Picture 5">
+          <p:cNvPr id="7" name="Picture 6">
             <a:extLst>
               <a:ext uri="{FF2B5EF4-FFF2-40B4-BE49-F238E27FC236}">
-                <a16:creationId xmlns:a16="http://schemas.microsoft.com/office/drawing/2014/main" id="{F03F8A1A-E3EF-44A5-9B27-CA2B9963DBA9}"/>
+                <a16:creationId xmlns:a16="http://schemas.microsoft.com/office/drawing/2014/main" id="{7E8CDE3B-7284-4B32-A6E9-160C7E4E9EF4}"/>
               </a:ext>
             </a:extLst>
           </p:cNvPr>
@@ -12822,8 +13118,8 @@
         </p:blipFill>
         <p:spPr>
           <a:xfrm>
-            <a:off x="576783" y="3370880"/>
-            <a:ext cx="3272918" cy="693974"/>
+            <a:off x="742758" y="3363261"/>
+            <a:ext cx="3242663" cy="692931"/>
           </a:xfrm>
           <a:prstGeom prst="rect">
             <a:avLst/>
@@ -12832,10 +13128,10 @@
       </p:pic>
       <p:pic>
         <p:nvPicPr>
-          <p:cNvPr id="8" name="Picture 7">
+          <p:cNvPr id="10" name="Picture 9">
             <a:extLst>
               <a:ext uri="{FF2B5EF4-FFF2-40B4-BE49-F238E27FC236}">
-                <a16:creationId xmlns:a16="http://schemas.microsoft.com/office/drawing/2014/main" id="{F316BB0D-0A00-45EF-99C5-D1B36CED896B}"/>
+                <a16:creationId xmlns:a16="http://schemas.microsoft.com/office/drawing/2014/main" id="{9CEBF635-43C3-4116-9D89-88BEF90D4A0F}"/>
               </a:ext>
             </a:extLst>
           </p:cNvPr>
@@ -12844,15 +13140,16 @@
           </p:cNvPicPr>
           <p:nvPr/>
         </p:nvPicPr>
-        <p:blipFill rotWithShape="1">
+        <p:blipFill>
           <a:blip r:embed="rId4"/>
-          <a:srcRect t="13580"/>
-          <a:stretch/>
+          <a:stretch>
+            <a:fillRect/>
+          </a:stretch>
         </p:blipFill>
         <p:spPr>
           <a:xfrm>
-            <a:off x="4261637" y="3440786"/>
-            <a:ext cx="3376292" cy="537882"/>
+            <a:off x="4203167" y="3363261"/>
+            <a:ext cx="3419394" cy="608827"/>
           </a:xfrm>
           <a:prstGeom prst="rect">
             <a:avLst/>
@@ -12932,8 +13229,8 @@
         </p:nvSpPr>
         <p:spPr>
           <a:xfrm>
-            <a:off x="311700" y="1152474"/>
-            <a:ext cx="8520600" cy="3888251"/>
+            <a:off x="311700" y="937452"/>
+            <a:ext cx="8520600" cy="4206048"/>
           </a:xfrm>
         </p:spPr>
         <p:txBody>
@@ -12946,10 +13243,10 @@
       </p:sp>
       <p:pic>
         <p:nvPicPr>
-          <p:cNvPr id="5" name="Picture 4">
+          <p:cNvPr id="6" name="Picture 5">
             <a:extLst>
               <a:ext uri="{FF2B5EF4-FFF2-40B4-BE49-F238E27FC236}">
-                <a16:creationId xmlns:a16="http://schemas.microsoft.com/office/drawing/2014/main" id="{666EFCBE-A955-4B1A-9BE7-2AB3A04C8EE4}"/>
+                <a16:creationId xmlns:a16="http://schemas.microsoft.com/office/drawing/2014/main" id="{CFE4EE15-303C-467C-AF7D-2B4F9BBE80D8}"/>
               </a:ext>
             </a:extLst>
           </p:cNvPr>
@@ -12966,8 +13263,8 @@
         </p:blipFill>
         <p:spPr>
           <a:xfrm>
-            <a:off x="522514" y="1213663"/>
-            <a:ext cx="4341479" cy="1477047"/>
+            <a:off x="493430" y="1017725"/>
+            <a:ext cx="4785180" cy="1337153"/>
           </a:xfrm>
           <a:prstGeom prst="rect">
             <a:avLst/>
@@ -12976,10 +13273,10 @@
       </p:pic>
       <p:pic>
         <p:nvPicPr>
-          <p:cNvPr id="7" name="Picture 6">
+          <p:cNvPr id="9" name="Picture 8">
             <a:extLst>
               <a:ext uri="{FF2B5EF4-FFF2-40B4-BE49-F238E27FC236}">
-                <a16:creationId xmlns:a16="http://schemas.microsoft.com/office/drawing/2014/main" id="{4DBF4F41-027F-4792-AA58-290755EF00A1}"/>
+                <a16:creationId xmlns:a16="http://schemas.microsoft.com/office/drawing/2014/main" id="{B6BD9AB7-8ADD-4091-9211-2F72453B28E3}"/>
               </a:ext>
             </a:extLst>
           </p:cNvPr>
@@ -12996,8 +13293,8 @@
         </p:blipFill>
         <p:spPr>
           <a:xfrm>
-            <a:off x="522514" y="2898179"/>
-            <a:ext cx="3558974" cy="1935078"/>
+            <a:off x="493430" y="2571750"/>
+            <a:ext cx="3387006" cy="2050339"/>
           </a:xfrm>
           <a:prstGeom prst="rect">
             <a:avLst/>
@@ -13285,10 +13582,10 @@
       </p:pic>
       <p:pic>
         <p:nvPicPr>
-          <p:cNvPr id="7" name="Picture 6">
+          <p:cNvPr id="8" name="Picture 7">
             <a:extLst>
               <a:ext uri="{FF2B5EF4-FFF2-40B4-BE49-F238E27FC236}">
-                <a16:creationId xmlns:a16="http://schemas.microsoft.com/office/drawing/2014/main" id="{EAF96AEA-04DB-4F84-95EF-84F7654D93A1}"/>
+                <a16:creationId xmlns:a16="http://schemas.microsoft.com/office/drawing/2014/main" id="{FA7243FC-9948-4E82-8F9F-CFA72271A35D}"/>
               </a:ext>
             </a:extLst>
           </p:cNvPr>
@@ -13305,8 +13602,8 @@
         </p:blipFill>
         <p:spPr>
           <a:xfrm>
-            <a:off x="722297" y="3983975"/>
-            <a:ext cx="3511606" cy="714500"/>
+            <a:off x="813147" y="3777042"/>
+            <a:ext cx="3482228" cy="539115"/>
           </a:xfrm>
           <a:prstGeom prst="rect">
             <a:avLst/>
@@ -13315,10 +13612,10 @@
       </p:pic>
       <p:pic>
         <p:nvPicPr>
-          <p:cNvPr id="9" name="Picture 8">
+          <p:cNvPr id="11" name="Picture 10">
             <a:extLst>
               <a:ext uri="{FF2B5EF4-FFF2-40B4-BE49-F238E27FC236}">
-                <a16:creationId xmlns:a16="http://schemas.microsoft.com/office/drawing/2014/main" id="{EC2F2486-CC06-45F8-9278-39857A4FCA1D}"/>
+                <a16:creationId xmlns:a16="http://schemas.microsoft.com/office/drawing/2014/main" id="{FFBA7985-AF03-442E-9418-3CAAB958145F}"/>
               </a:ext>
             </a:extLst>
           </p:cNvPr>
@@ -13327,15 +13624,16 @@
           </p:cNvPicPr>
           <p:nvPr/>
         </p:nvPicPr>
-        <p:blipFill rotWithShape="1">
+        <p:blipFill>
           <a:blip r:embed="rId5"/>
-          <a:srcRect t="8245"/>
-          <a:stretch/>
+          <a:stretch>
+            <a:fillRect/>
+          </a:stretch>
         </p:blipFill>
         <p:spPr>
           <a:xfrm>
-            <a:off x="4410876" y="3983975"/>
-            <a:ext cx="3342314" cy="634907"/>
+            <a:off x="4395267" y="3777042"/>
+            <a:ext cx="3719072" cy="539115"/>
           </a:xfrm>
           <a:prstGeom prst="rect">
             <a:avLst/>
@@ -13415,8 +13713,8 @@
         </p:nvSpPr>
         <p:spPr>
           <a:xfrm>
-            <a:off x="311700" y="1152474"/>
-            <a:ext cx="8520600" cy="3880567"/>
+            <a:off x="311700" y="875980"/>
+            <a:ext cx="8520600" cy="4210850"/>
           </a:xfrm>
         </p:spPr>
         <p:txBody>
@@ -13429,10 +13727,10 @@
       </p:sp>
       <p:pic>
         <p:nvPicPr>
-          <p:cNvPr id="5" name="Picture 4">
+          <p:cNvPr id="6" name="Picture 5">
             <a:extLst>
               <a:ext uri="{FF2B5EF4-FFF2-40B4-BE49-F238E27FC236}">
-                <a16:creationId xmlns:a16="http://schemas.microsoft.com/office/drawing/2014/main" id="{18D00919-9A7D-4CAE-9E15-29BB9ADCC2CB}"/>
+                <a16:creationId xmlns:a16="http://schemas.microsoft.com/office/drawing/2014/main" id="{3168CF52-BCEB-49FC-BF00-B0D04C5788A1}"/>
               </a:ext>
             </a:extLst>
           </p:cNvPr>
@@ -13449,8 +13747,8 @@
         </p:blipFill>
         <p:spPr>
           <a:xfrm>
-            <a:off x="473263" y="1260183"/>
-            <a:ext cx="4421466" cy="1436914"/>
+            <a:off x="537883" y="1106851"/>
+            <a:ext cx="4034117" cy="1442863"/>
           </a:xfrm>
           <a:prstGeom prst="rect">
             <a:avLst/>
@@ -13459,10 +13757,10 @@
       </p:pic>
       <p:pic>
         <p:nvPicPr>
-          <p:cNvPr id="7" name="Picture 6">
+          <p:cNvPr id="9" name="Picture 8">
             <a:extLst>
               <a:ext uri="{FF2B5EF4-FFF2-40B4-BE49-F238E27FC236}">
-                <a16:creationId xmlns:a16="http://schemas.microsoft.com/office/drawing/2014/main" id="{C0017B39-AEB6-43D8-A702-4D4A79393F16}"/>
+                <a16:creationId xmlns:a16="http://schemas.microsoft.com/office/drawing/2014/main" id="{AF483DB6-45C9-47EA-9551-D7FF5AAC8413}"/>
               </a:ext>
             </a:extLst>
           </p:cNvPr>
@@ -13479,8 +13777,8 @@
         </p:blipFill>
         <p:spPr>
           <a:xfrm>
-            <a:off x="402036" y="2804805"/>
-            <a:ext cx="4169964" cy="2204013"/>
+            <a:off x="537883" y="2789544"/>
+            <a:ext cx="3473184" cy="2057455"/>
           </a:xfrm>
           <a:prstGeom prst="rect">
             <a:avLst/>
@@ -13700,7 +13998,7 @@
                   <a:schemeClr val="accent2"/>
                 </a:solidFill>
               </a:rPr>
-              <a:t>The Random Forest training score is 100% and testing score  is </a:t>
+              <a:t>The Random Forest training score is 100% and testing score is 95%</a:t>
             </a:r>
           </a:p>
           <a:p>
@@ -13813,10 +14111,10 @@
       </p:pic>
       <p:pic>
         <p:nvPicPr>
-          <p:cNvPr id="9" name="Picture 8">
+          <p:cNvPr id="8" name="Picture 7">
             <a:extLst>
               <a:ext uri="{FF2B5EF4-FFF2-40B4-BE49-F238E27FC236}">
-                <a16:creationId xmlns:a16="http://schemas.microsoft.com/office/drawing/2014/main" id="{C6944F56-EEBA-4855-B2D1-1024534511EE}"/>
+                <a16:creationId xmlns:a16="http://schemas.microsoft.com/office/drawing/2014/main" id="{7572BBC9-CDB8-4C7C-98F0-6E4FC5619EBE}"/>
               </a:ext>
             </a:extLst>
           </p:cNvPr>
@@ -13833,8 +14131,8 @@
         </p:blipFill>
         <p:spPr>
           <a:xfrm>
-            <a:off x="4877193" y="3874213"/>
-            <a:ext cx="3342553" cy="528643"/>
+            <a:off x="4590713" y="3874213"/>
+            <a:ext cx="3216265" cy="485864"/>
           </a:xfrm>
           <a:prstGeom prst="rect">
             <a:avLst/>
@@ -13915,7 +14213,7 @@
         <p:spPr>
           <a:xfrm>
             <a:off x="311700" y="1152474"/>
-            <a:ext cx="8520600" cy="3903619"/>
+            <a:ext cx="8520600" cy="3991026"/>
           </a:xfrm>
         </p:spPr>
         <p:txBody>
@@ -13928,10 +14226,10 @@
       </p:sp>
       <p:pic>
         <p:nvPicPr>
-          <p:cNvPr id="5" name="Picture 4">
+          <p:cNvPr id="6" name="Picture 5">
             <a:extLst>
               <a:ext uri="{FF2B5EF4-FFF2-40B4-BE49-F238E27FC236}">
-                <a16:creationId xmlns:a16="http://schemas.microsoft.com/office/drawing/2014/main" id="{4A6B74C3-39BD-49FF-9580-0C39421AB05B}"/>
+                <a16:creationId xmlns:a16="http://schemas.microsoft.com/office/drawing/2014/main" id="{0C8619F8-4F83-498E-9742-AC3964C9AF59}"/>
               </a:ext>
             </a:extLst>
           </p:cNvPr>
@@ -13948,8 +14246,8 @@
         </p:blipFill>
         <p:spPr>
           <a:xfrm>
-            <a:off x="311701" y="1361209"/>
-            <a:ext cx="5197752" cy="1358940"/>
+            <a:off x="409485" y="1152474"/>
+            <a:ext cx="4162515" cy="1280832"/>
           </a:xfrm>
           <a:prstGeom prst="rect">
             <a:avLst/>
@@ -13958,10 +14256,10 @@
       </p:pic>
       <p:pic>
         <p:nvPicPr>
-          <p:cNvPr id="7" name="Picture 6">
+          <p:cNvPr id="9" name="Picture 8">
             <a:extLst>
               <a:ext uri="{FF2B5EF4-FFF2-40B4-BE49-F238E27FC236}">
-                <a16:creationId xmlns:a16="http://schemas.microsoft.com/office/drawing/2014/main" id="{61B9B3DF-EA18-4389-98C8-FE605B4F7F8B}"/>
+                <a16:creationId xmlns:a16="http://schemas.microsoft.com/office/drawing/2014/main" id="{EB45BCFE-CC80-40DF-AFAD-79FDE3AB986D}"/>
               </a:ext>
             </a:extLst>
           </p:cNvPr>
@@ -13978,8 +14276,8 @@
         </p:blipFill>
         <p:spPr>
           <a:xfrm>
-            <a:off x="407252" y="2984494"/>
-            <a:ext cx="4057172" cy="2071599"/>
+            <a:off x="409485" y="2569996"/>
+            <a:ext cx="3833183" cy="2240209"/>
           </a:xfrm>
           <a:prstGeom prst="rect">
             <a:avLst/>
@@ -14199,7 +14497,7 @@
                   <a:schemeClr val="accent2"/>
                 </a:solidFill>
               </a:rPr>
-              <a:t>The training score is 97% and testing score is 95% for XGBoost.</a:t>
+              <a:t>The training score is 97% and testing score is 93% for XGBoost.</a:t>
             </a:r>
           </a:p>
           <a:p>
@@ -14276,10 +14574,10 @@
       </p:pic>
       <p:pic>
         <p:nvPicPr>
-          <p:cNvPr id="7" name="Picture 6">
+          <p:cNvPr id="8" name="Picture 7">
             <a:extLst>
               <a:ext uri="{FF2B5EF4-FFF2-40B4-BE49-F238E27FC236}">
-                <a16:creationId xmlns:a16="http://schemas.microsoft.com/office/drawing/2014/main" id="{41E0872B-5833-4279-9B8F-7F5BEF8EA3BB}"/>
+                <a16:creationId xmlns:a16="http://schemas.microsoft.com/office/drawing/2014/main" id="{45BDF4A4-1366-451F-890A-3ADBEA7F5072}"/>
               </a:ext>
             </a:extLst>
           </p:cNvPr>
@@ -14296,8 +14594,8 @@
         </p:blipFill>
         <p:spPr>
           <a:xfrm>
-            <a:off x="526355" y="3569073"/>
-            <a:ext cx="3231137" cy="749354"/>
+            <a:off x="684559" y="3774550"/>
+            <a:ext cx="3453294" cy="605349"/>
           </a:xfrm>
           <a:prstGeom prst="rect">
             <a:avLst/>
@@ -14306,10 +14604,10 @@
       </p:pic>
       <p:pic>
         <p:nvPicPr>
-          <p:cNvPr id="9" name="Picture 8">
+          <p:cNvPr id="11" name="Picture 10">
             <a:extLst>
               <a:ext uri="{FF2B5EF4-FFF2-40B4-BE49-F238E27FC236}">
-                <a16:creationId xmlns:a16="http://schemas.microsoft.com/office/drawing/2014/main" id="{6023BE54-1BC2-42FC-A4C2-DFC836789369}"/>
+                <a16:creationId xmlns:a16="http://schemas.microsoft.com/office/drawing/2014/main" id="{6277CF5D-3284-45D1-9423-6DE251DE1487}"/>
               </a:ext>
             </a:extLst>
           </p:cNvPr>
@@ -14326,8 +14624,8 @@
         </p:blipFill>
         <p:spPr>
           <a:xfrm>
-            <a:off x="4239137" y="3569073"/>
-            <a:ext cx="3905940" cy="664830"/>
+            <a:off x="4572000" y="3792931"/>
+            <a:ext cx="3453294" cy="463550"/>
           </a:xfrm>
           <a:prstGeom prst="rect">
             <a:avLst/>
@@ -14792,16 +15090,16 @@
           <a:bodyPr/>
           <a:lstStyle/>
           <a:p>
-            <a:endParaRPr lang="en-IN"/>
+            <a:endParaRPr lang="en-IN" dirty="0"/>
           </a:p>
         </p:txBody>
       </p:sp>
       <p:pic>
         <p:nvPicPr>
-          <p:cNvPr id="7" name="Picture 6">
+          <p:cNvPr id="5" name="Picture 4">
             <a:extLst>
               <a:ext uri="{FF2B5EF4-FFF2-40B4-BE49-F238E27FC236}">
-                <a16:creationId xmlns:a16="http://schemas.microsoft.com/office/drawing/2014/main" id="{D0CC6B1F-DCFB-4796-9D92-244C4FE86A41}"/>
+                <a16:creationId xmlns:a16="http://schemas.microsoft.com/office/drawing/2014/main" id="{D23D2A26-CAEA-4E9B-BCAB-E18B94BEC77F}"/>
               </a:ext>
             </a:extLst>
           </p:cNvPr>
@@ -14818,8 +15116,8 @@
         </p:blipFill>
         <p:spPr>
           <a:xfrm>
-            <a:off x="469247" y="2831845"/>
-            <a:ext cx="3553025" cy="2062382"/>
+            <a:off x="507145" y="1282955"/>
+            <a:ext cx="4565837" cy="1288795"/>
           </a:xfrm>
           <a:prstGeom prst="rect">
             <a:avLst/>
@@ -14828,10 +15126,10 @@
       </p:pic>
       <p:pic>
         <p:nvPicPr>
-          <p:cNvPr id="9" name="Picture 8">
+          <p:cNvPr id="8" name="Picture 7">
             <a:extLst>
               <a:ext uri="{FF2B5EF4-FFF2-40B4-BE49-F238E27FC236}">
-                <a16:creationId xmlns:a16="http://schemas.microsoft.com/office/drawing/2014/main" id="{7096DB95-153A-4FD9-8576-C20F4EB542D6}"/>
+                <a16:creationId xmlns:a16="http://schemas.microsoft.com/office/drawing/2014/main" id="{9B9F2BC9-E642-4D2C-A080-D114228C6DAA}"/>
               </a:ext>
             </a:extLst>
           </p:cNvPr>
@@ -14848,8 +15146,8 @@
         </p:blipFill>
         <p:spPr>
           <a:xfrm>
-            <a:off x="553250" y="1268260"/>
-            <a:ext cx="4741049" cy="1447800"/>
+            <a:off x="507145" y="2702232"/>
+            <a:ext cx="4064855" cy="2200182"/>
           </a:xfrm>
           <a:prstGeom prst="rect">
             <a:avLst/>
@@ -15044,10 +15342,10 @@
       </p:pic>
       <p:pic>
         <p:nvPicPr>
-          <p:cNvPr id="7" name="Picture 6">
+          <p:cNvPr id="8" name="Picture 7">
             <a:extLst>
               <a:ext uri="{FF2B5EF4-FFF2-40B4-BE49-F238E27FC236}">
-                <a16:creationId xmlns:a16="http://schemas.microsoft.com/office/drawing/2014/main" id="{08F5444E-BEB3-4D53-B230-DFACDBDFA39C}"/>
+                <a16:creationId xmlns:a16="http://schemas.microsoft.com/office/drawing/2014/main" id="{4945636A-2F50-4959-8A27-E5143FFDBFE6}"/>
               </a:ext>
             </a:extLst>
           </p:cNvPr>
@@ -15064,8 +15362,8 @@
         </p:blipFill>
         <p:spPr>
           <a:xfrm>
-            <a:off x="514855" y="3150122"/>
-            <a:ext cx="6177938" cy="1821778"/>
+            <a:off x="514855" y="3242662"/>
+            <a:ext cx="6423827" cy="1813431"/>
           </a:xfrm>
           <a:prstGeom prst="rect">
             <a:avLst/>
@@ -15159,10 +15457,10 @@
       </p:sp>
       <p:pic>
         <p:nvPicPr>
-          <p:cNvPr id="5" name="Picture 4">
+          <p:cNvPr id="6" name="Picture 5">
             <a:extLst>
               <a:ext uri="{FF2B5EF4-FFF2-40B4-BE49-F238E27FC236}">
-                <a16:creationId xmlns:a16="http://schemas.microsoft.com/office/drawing/2014/main" id="{BB98DD3E-C927-4CA8-8012-77ED8B9AE1E1}"/>
+                <a16:creationId xmlns:a16="http://schemas.microsoft.com/office/drawing/2014/main" id="{4EBB6BF3-0C39-4465-8932-9686F2B778BD}"/>
               </a:ext>
             </a:extLst>
           </p:cNvPr>
@@ -15179,8 +15477,8 @@
         </p:blipFill>
         <p:spPr>
           <a:xfrm>
-            <a:off x="376718" y="1220961"/>
-            <a:ext cx="3987813" cy="1489662"/>
+            <a:off x="430306" y="1254989"/>
+            <a:ext cx="4975812" cy="1134745"/>
           </a:xfrm>
           <a:prstGeom prst="rect">
             <a:avLst/>
@@ -15189,10 +15487,10 @@
       </p:pic>
       <p:pic>
         <p:nvPicPr>
-          <p:cNvPr id="7" name="Picture 6">
+          <p:cNvPr id="9" name="Picture 8">
             <a:extLst>
               <a:ext uri="{FF2B5EF4-FFF2-40B4-BE49-F238E27FC236}">
-                <a16:creationId xmlns:a16="http://schemas.microsoft.com/office/drawing/2014/main" id="{D3861D8C-7D97-405C-8338-2B5D72B03F96}"/>
+                <a16:creationId xmlns:a16="http://schemas.microsoft.com/office/drawing/2014/main" id="{6622796B-F11F-4D2A-A005-2D41736D7A37}"/>
               </a:ext>
             </a:extLst>
           </p:cNvPr>
@@ -15209,8 +15507,8 @@
         </p:blipFill>
         <p:spPr>
           <a:xfrm>
-            <a:off x="376718" y="2779110"/>
-            <a:ext cx="3534455" cy="2161724"/>
+            <a:off x="430306" y="2678736"/>
+            <a:ext cx="4203166" cy="2257415"/>
           </a:xfrm>
           <a:prstGeom prst="rect">
             <a:avLst/>
@@ -15308,10 +15606,10 @@
       </p:sp>
       <p:pic>
         <p:nvPicPr>
-          <p:cNvPr id="5" name="Picture 4">
+          <p:cNvPr id="8" name="Picture 7">
             <a:extLst>
               <a:ext uri="{FF2B5EF4-FFF2-40B4-BE49-F238E27FC236}">
-                <a16:creationId xmlns:a16="http://schemas.microsoft.com/office/drawing/2014/main" id="{09A815D1-4108-402D-BFDA-93B3F3EEB0D7}"/>
+                <a16:creationId xmlns:a16="http://schemas.microsoft.com/office/drawing/2014/main" id="{384B71C0-52CB-49AA-8FFD-49250EAECBFD}"/>
               </a:ext>
             </a:extLst>
           </p:cNvPr>
@@ -15320,15 +15618,16 @@
           </p:cNvPicPr>
           <p:nvPr/>
         </p:nvPicPr>
-        <p:blipFill rotWithShape="1">
+        <p:blipFill>
           <a:blip r:embed="rId2"/>
-          <a:srcRect l="4381"/>
-          <a:stretch/>
+          <a:stretch>
+            <a:fillRect/>
+          </a:stretch>
         </p:blipFill>
         <p:spPr>
           <a:xfrm>
-            <a:off x="553250" y="1461814"/>
-            <a:ext cx="6408484" cy="1926846"/>
+            <a:off x="551444" y="1613647"/>
+            <a:ext cx="8041112" cy="1751959"/>
           </a:xfrm>
           <a:prstGeom prst="rect">
             <a:avLst/>
@@ -15445,10 +15744,10 @@
       </p:sp>
       <p:pic>
         <p:nvPicPr>
-          <p:cNvPr id="5" name="Picture 4">
+          <p:cNvPr id="6" name="Picture 5">
             <a:extLst>
               <a:ext uri="{FF2B5EF4-FFF2-40B4-BE49-F238E27FC236}">
-                <a16:creationId xmlns:a16="http://schemas.microsoft.com/office/drawing/2014/main" id="{EF8E96EF-4BE6-4E18-B23F-377F7EE6F617}"/>
+                <a16:creationId xmlns:a16="http://schemas.microsoft.com/office/drawing/2014/main" id="{27E61D4A-5E68-476E-B6A8-549FC39C73D9}"/>
               </a:ext>
             </a:extLst>
           </p:cNvPr>
@@ -15465,8 +15764,8 @@
         </p:blipFill>
         <p:spPr>
           <a:xfrm>
-            <a:off x="622406" y="1872488"/>
-            <a:ext cx="7776241" cy="1398523"/>
+            <a:off x="814507" y="1855462"/>
+            <a:ext cx="6381430" cy="1156679"/>
           </a:xfrm>
           <a:prstGeom prst="rect">
             <a:avLst/>
@@ -15475,10 +15774,10 @@
       </p:pic>
       <p:pic>
         <p:nvPicPr>
-          <p:cNvPr id="7" name="Picture 6">
+          <p:cNvPr id="10" name="Picture 9">
             <a:extLst>
               <a:ext uri="{FF2B5EF4-FFF2-40B4-BE49-F238E27FC236}">
-                <a16:creationId xmlns:a16="http://schemas.microsoft.com/office/drawing/2014/main" id="{C6991B6E-EA24-4676-8F68-914194739415}"/>
+                <a16:creationId xmlns:a16="http://schemas.microsoft.com/office/drawing/2014/main" id="{6C6EE803-0F20-4187-9327-C5C8B9FB7174}"/>
               </a:ext>
             </a:extLst>
           </p:cNvPr>
@@ -15495,8 +15794,8 @@
         </p:blipFill>
         <p:spPr>
           <a:xfrm>
-            <a:off x="513189" y="3495954"/>
-            <a:ext cx="3928183" cy="733425"/>
+            <a:off x="814507" y="3432961"/>
+            <a:ext cx="3334871" cy="747153"/>
           </a:xfrm>
           <a:prstGeom prst="rect">
             <a:avLst/>
@@ -15505,10 +15804,10 @@
       </p:pic>
       <p:pic>
         <p:nvPicPr>
-          <p:cNvPr id="9" name="Picture 8">
+          <p:cNvPr id="12" name="Picture 11">
             <a:extLst>
               <a:ext uri="{FF2B5EF4-FFF2-40B4-BE49-F238E27FC236}">
-                <a16:creationId xmlns:a16="http://schemas.microsoft.com/office/drawing/2014/main" id="{ADBEFA66-FF64-468D-B513-6B73A7F4B8A4}"/>
+                <a16:creationId xmlns:a16="http://schemas.microsoft.com/office/drawing/2014/main" id="{F492C365-4E94-4370-BC6B-496FF1CCC06F}"/>
               </a:ext>
             </a:extLst>
           </p:cNvPr>
@@ -15525,8 +15824,8 @@
         </p:blipFill>
         <p:spPr>
           <a:xfrm>
-            <a:off x="4642861" y="3405761"/>
-            <a:ext cx="3640527" cy="666778"/>
+            <a:off x="4395267" y="3432961"/>
+            <a:ext cx="3473184" cy="646146"/>
           </a:xfrm>
           <a:prstGeom prst="rect">
             <a:avLst/>
@@ -15620,10 +15919,10 @@
       </p:sp>
       <p:pic>
         <p:nvPicPr>
-          <p:cNvPr id="5" name="Picture 4">
+          <p:cNvPr id="6" name="Picture 5">
             <a:extLst>
               <a:ext uri="{FF2B5EF4-FFF2-40B4-BE49-F238E27FC236}">
-                <a16:creationId xmlns:a16="http://schemas.microsoft.com/office/drawing/2014/main" id="{EDE5A7E7-F68C-4C6C-B81E-D314FFEBB5ED}"/>
+                <a16:creationId xmlns:a16="http://schemas.microsoft.com/office/drawing/2014/main" id="{AA8B03E8-D769-44DE-8DB2-9AB5E5249BAE}"/>
               </a:ext>
             </a:extLst>
           </p:cNvPr>
@@ -15640,8 +15939,8 @@
         </p:blipFill>
         <p:spPr>
           <a:xfrm>
-            <a:off x="484092" y="1227175"/>
-            <a:ext cx="5616949" cy="1579338"/>
+            <a:off x="583144" y="1402436"/>
+            <a:ext cx="4787995" cy="1381426"/>
           </a:xfrm>
           <a:prstGeom prst="rect">
             <a:avLst/>
@@ -15650,10 +15949,10 @@
       </p:pic>
       <p:pic>
         <p:nvPicPr>
-          <p:cNvPr id="9" name="Picture 8">
+          <p:cNvPr id="11" name="Picture 10">
             <a:extLst>
               <a:ext uri="{FF2B5EF4-FFF2-40B4-BE49-F238E27FC236}">
-                <a16:creationId xmlns:a16="http://schemas.microsoft.com/office/drawing/2014/main" id="{D690EFB0-1C08-4FF9-9B99-90E280160D10}"/>
+                <a16:creationId xmlns:a16="http://schemas.microsoft.com/office/drawing/2014/main" id="{141370FD-E28D-495B-AD62-790AFE735795}"/>
               </a:ext>
             </a:extLst>
           </p:cNvPr>
@@ -15670,8 +15969,8 @@
         </p:blipFill>
         <p:spPr>
           <a:xfrm>
-            <a:off x="484091" y="3033823"/>
-            <a:ext cx="4679579" cy="1914406"/>
+            <a:off x="583144" y="3033824"/>
+            <a:ext cx="4219377" cy="1824037"/>
           </a:xfrm>
           <a:prstGeom prst="rect">
             <a:avLst/>
@@ -15964,7 +16263,7 @@
                   <a:schemeClr val="accent2"/>
                 </a:solidFill>
               </a:rPr>
-              <a:t>Recall 77%.</a:t>
+              <a:t>Recall 88.37%.</a:t>
             </a:r>
           </a:p>
           <a:p>
@@ -16005,7 +16304,7 @@
                   <a:schemeClr val="accent2"/>
                 </a:solidFill>
               </a:rPr>
-              <a:t>33%</a:t>
+              <a:t>51.16%</a:t>
             </a:r>
             <a:r>
               <a:rPr lang="en-US" sz="1400" dirty="0">
@@ -16054,7 +16353,7 @@
                   <a:schemeClr val="accent2"/>
                 </a:solidFill>
               </a:rPr>
-              <a:t>42%</a:t>
+              <a:t>44.18%</a:t>
             </a:r>
             <a:r>
               <a:rPr lang="en-US" sz="1400" dirty="0">
@@ -16103,16 +16402,13 @@
                   <a:schemeClr val="accent2"/>
                 </a:solidFill>
               </a:rPr>
-              <a:t>77%</a:t>
+              <a:t>79.06%. </a:t>
             </a:r>
-            <a:r>
-              <a:rPr lang="en-US" sz="1400" dirty="0">
-                <a:solidFill>
-                  <a:schemeClr val="accent2"/>
-                </a:solidFill>
-              </a:rPr>
-              <a:t>, which is same as Logistic regression</a:t>
-            </a:r>
+            <a:endParaRPr lang="en-US" sz="1400" dirty="0">
+              <a:solidFill>
+                <a:schemeClr val="accent2"/>
+              </a:solidFill>
+            </a:endParaRPr>
           </a:p>
           <a:p>
             <a:pPr>
@@ -16242,6 +16538,55 @@
                   <a:schemeClr val="accent2"/>
                 </a:solidFill>
               </a:rPr>
+              <a:t>Next, applied with </a:t>
+            </a:r>
+            <a:r>
+              <a:rPr lang="en-US" sz="1400" b="1" dirty="0">
+                <a:solidFill>
+                  <a:schemeClr val="accent2"/>
+                </a:solidFill>
+              </a:rPr>
+              <a:t>Random Forest Classifier</a:t>
+            </a:r>
+            <a:r>
+              <a:rPr lang="en-US" sz="1400" dirty="0">
+                <a:solidFill>
+                  <a:schemeClr val="accent2"/>
+                </a:solidFill>
+              </a:rPr>
+              <a:t>, the model able to produces a recall score of </a:t>
+            </a:r>
+            <a:r>
+              <a:rPr lang="en-US" sz="1400" b="1" dirty="0">
+                <a:solidFill>
+                  <a:schemeClr val="accent2"/>
+                </a:solidFill>
+              </a:rPr>
+              <a:t>62.79%</a:t>
+            </a:r>
+            <a:r>
+              <a:rPr lang="en-US" sz="1400" dirty="0">
+                <a:solidFill>
+                  <a:schemeClr val="accent2"/>
+                </a:solidFill>
+              </a:rPr>
+              <a:t> only.</a:t>
+            </a:r>
+          </a:p>
+          <a:p>
+            <a:pPr>
+              <a:buClr>
+                <a:schemeClr val="accent2"/>
+              </a:buClr>
+              <a:buFont typeface="Arial" panose="020B0604020202020204" pitchFamily="34" charset="0"/>
+              <a:buChar char="•"/>
+            </a:pPr>
+            <a:r>
+              <a:rPr lang="en-US" sz="1400" dirty="0">
+                <a:solidFill>
+                  <a:schemeClr val="accent2"/>
+                </a:solidFill>
+              </a:rPr>
               <a:t>Next, tried with </a:t>
             </a:r>
             <a:r>
@@ -16266,7 +16611,7 @@
                   <a:schemeClr val="accent2"/>
                 </a:solidFill>
               </a:rPr>
-              <a:t>53%</a:t>
+              <a:t>69.76%</a:t>
             </a:r>
             <a:r>
               <a:rPr lang="en-US" sz="1400" dirty="0">
@@ -16315,7 +16660,7 @@
                   <a:schemeClr val="accent2"/>
                 </a:solidFill>
               </a:rPr>
-              <a:t>31%</a:t>
+              <a:t>34.88%</a:t>
             </a:r>
             <a:r>
               <a:rPr lang="en-US" sz="1400" dirty="0">
@@ -16356,7 +16701,7 @@
                   <a:schemeClr val="accent2"/>
                 </a:solidFill>
               </a:rPr>
-              <a:t>and </a:t>
+              <a:t>model gives us very good recall score of </a:t>
             </a:r>
             <a:r>
               <a:rPr lang="en-US" sz="1400" b="1" dirty="0">
@@ -16364,31 +16709,7 @@
                   <a:schemeClr val="accent2"/>
                 </a:solidFill>
               </a:rPr>
-              <a:t>SVM</a:t>
-            </a:r>
-            <a:r>
-              <a:rPr lang="en-US" sz="1400" dirty="0">
-                <a:solidFill>
-                  <a:schemeClr val="accent2"/>
-                </a:solidFill>
-              </a:rPr>
-              <a:t> model gives us the same output score for Recall which is </a:t>
-            </a:r>
-            <a:r>
-              <a:rPr lang="en-US" sz="1400" b="1" dirty="0">
-                <a:solidFill>
-                  <a:schemeClr val="accent2"/>
-                </a:solidFill>
-              </a:rPr>
-              <a:t>77%</a:t>
-            </a:r>
-            <a:r>
-              <a:rPr lang="en-US" sz="1400" dirty="0">
-                <a:solidFill>
-                  <a:schemeClr val="accent2"/>
-                </a:solidFill>
-              </a:rPr>
-              <a:t>.</a:t>
+              <a:t>88.37%</a:t>
             </a:r>
           </a:p>
           <a:p>
@@ -16413,7 +16734,7 @@
                   <a:schemeClr val="accent2"/>
                 </a:solidFill>
               </a:rPr>
-              <a:t>cv=5</a:t>
+              <a:t>cv=5 </a:t>
             </a:r>
             <a:r>
               <a:rPr lang="en-US" sz="1400" dirty="0">
@@ -16421,7 +16742,7 @@
                   <a:schemeClr val="accent2"/>
                 </a:solidFill>
               </a:rPr>
-              <a:t>, the model produces a good recall score of </a:t>
+              <a:t>for further improvement on the accuracy, grid search cv gives us the regression score of C=10 to get good result. This produced a recall score of </a:t>
             </a:r>
             <a:r>
               <a:rPr lang="en-US" sz="1400" b="1" dirty="0">
@@ -16429,15 +16750,7 @@
                   <a:schemeClr val="accent2"/>
                 </a:solidFill>
               </a:rPr>
-              <a:t>85%</a:t>
-            </a:r>
-            <a:r>
-              <a:rPr lang="en-US" sz="1400" dirty="0">
-                <a:solidFill>
-                  <a:schemeClr val="accent2"/>
-                </a:solidFill>
-              </a:rPr>
-              <a:t>.</a:t>
+              <a:t>88%</a:t>
             </a:r>
           </a:p>
           <a:p>
@@ -16454,7 +16767,23 @@
                   <a:schemeClr val="accent2"/>
                 </a:solidFill>
               </a:rPr>
-              <a:t>With that we have build a model which predicts Company Bankruptcy prediction with 85% of Recall using Logistic Regression.</a:t>
+              <a:t>With that we have build a model which predicts Company Bankruptcy prediction with </a:t>
+            </a:r>
+            <a:r>
+              <a:rPr lang="en-US" sz="1400" b="1" dirty="0">
+                <a:solidFill>
+                  <a:schemeClr val="accent2"/>
+                </a:solidFill>
+              </a:rPr>
+              <a:t>88%</a:t>
+            </a:r>
+            <a:r>
+              <a:rPr lang="en-US" sz="1400" dirty="0">
+                <a:solidFill>
+                  <a:schemeClr val="accent2"/>
+                </a:solidFill>
+              </a:rPr>
+              <a:t> of Recall using Logistic Regression.</a:t>
             </a:r>
             <a:endParaRPr lang="en-IN" sz="1400" dirty="0">
               <a:solidFill>
@@ -16542,7 +16871,7 @@
         <p:spPr>
           <a:xfrm>
             <a:off x="311700" y="1152474"/>
-            <a:ext cx="8678619" cy="3665415"/>
+            <a:ext cx="8678619" cy="3991026"/>
           </a:xfrm>
         </p:spPr>
         <p:txBody>
@@ -16655,13 +16984,48 @@
                 <a:latin typeface="Times New Roman" panose="02020603050405020304" pitchFamily="18" charset="0"/>
                 <a:ea typeface="Times New Roman" panose="02020603050405020304" pitchFamily="18" charset="0"/>
               </a:rPr>
-              <a:t>on employees, investors, customers, suppliers and their financiers are all affected when a company disappears in some cases a corporate bankruptcy can cause an entire industry to suffer.</a:t>
+              <a:t>on employees, investors, customers, suppliers and their financiers are all affected when a company disappears. </a:t>
             </a:r>
-            <a:endParaRPr lang="en-IN" sz="1800" dirty="0">
-              <a:effectLst/>
-              <a:latin typeface="Arial" panose="020B0604020202020204" pitchFamily="34" charset="0"/>
-              <a:ea typeface="Arial" panose="020B0604020202020204" pitchFamily="34" charset="0"/>
-            </a:endParaRPr>
+            <a:r>
+              <a:rPr lang="en-IN" dirty="0">
+                <a:solidFill>
+                  <a:srgbClr val="212121"/>
+                </a:solidFill>
+                <a:latin typeface="Times New Roman" panose="02020603050405020304" pitchFamily="18" charset="0"/>
+              </a:rPr>
+              <a:t>In some </a:t>
+            </a:r>
+            <a:r>
+              <a:rPr lang="en-IN" sz="1800" dirty="0">
+                <a:solidFill>
+                  <a:srgbClr val="212121"/>
+                </a:solidFill>
+                <a:effectLst/>
+                <a:latin typeface="Times New Roman" panose="02020603050405020304" pitchFamily="18" charset="0"/>
+                <a:ea typeface="Times New Roman" panose="02020603050405020304" pitchFamily="18" charset="0"/>
+              </a:rPr>
+              <a:t>cases, a corporate bankruptcy can cause an entire industry to suffer.</a:t>
+            </a:r>
+          </a:p>
+          <a:p>
+            <a:pPr marL="114300" indent="0">
+              <a:lnSpc>
+                <a:spcPct val="115000"/>
+              </a:lnSpc>
+              <a:spcBef>
+                <a:spcPts val="600"/>
+              </a:spcBef>
+              <a:buNone/>
+            </a:pPr>
+            <a:r>
+              <a:rPr lang="en-IN" dirty="0">
+                <a:solidFill>
+                  <a:srgbClr val="212121"/>
+                </a:solidFill>
+                <a:latin typeface="Times New Roman" panose="02020603050405020304" pitchFamily="18" charset="0"/>
+              </a:rPr>
+              <a:t>Here, I’ll be building a model to predict whether a company bankrupt or not depending on the available dataset.</a:t>
+            </a:r>
           </a:p>
           <a:p>
             <a:pPr algn="l"/>
@@ -16786,10 +17150,53 @@
             <p:ph type="body" idx="1"/>
           </p:nvPr>
         </p:nvSpPr>
-        <p:spPr/>
+        <p:spPr>
+          <a:xfrm>
+            <a:off x="311700" y="1152475"/>
+            <a:ext cx="8520600" cy="3749938"/>
+          </a:xfrm>
+        </p:spPr>
         <p:txBody>
           <a:bodyPr/>
           <a:lstStyle/>
+          <a:p>
+            <a:pPr marL="114300" indent="0">
+              <a:buNone/>
+            </a:pPr>
+            <a:r>
+              <a:rPr lang="en-US" b="1" u="sng" dirty="0">
+                <a:solidFill>
+                  <a:schemeClr val="tx2">
+                    <a:lumMod val="10000"/>
+                  </a:schemeClr>
+                </a:solidFill>
+                <a:latin typeface="Times New Roman" panose="02020603050405020304" pitchFamily="18" charset="0"/>
+                <a:cs typeface="Times New Roman" panose="02020603050405020304" pitchFamily="18" charset="0"/>
+              </a:rPr>
+              <a:t>EDA:- </a:t>
+            </a:r>
+            <a:r>
+              <a:rPr lang="en-US" dirty="0">
+                <a:solidFill>
+                  <a:schemeClr val="tx2">
+                    <a:lumMod val="10000"/>
+                  </a:schemeClr>
+                </a:solidFill>
+                <a:latin typeface="Times New Roman" panose="02020603050405020304" pitchFamily="18" charset="0"/>
+                <a:cs typeface="Times New Roman" panose="02020603050405020304" pitchFamily="18" charset="0"/>
+              </a:rPr>
+              <a:t>We did some Exploratory Data Analysis on the data to Analyze most of the information.</a:t>
+            </a:r>
+            <a:endParaRPr lang="en-US" b="1" u="sng" dirty="0">
+              <a:solidFill>
+                <a:schemeClr val="tx2">
+                  <a:lumMod val="10000"/>
+                </a:schemeClr>
+              </a:solidFill>
+              <a:latin typeface="Times New Roman" panose="02020603050405020304" pitchFamily="18" charset="0"/>
+              <a:cs typeface="Times New Roman" panose="02020603050405020304" pitchFamily="18" charset="0"/>
+            </a:endParaRPr>
+          </a:p>
           <a:p>
             <a:pPr marL="114300" indent="0">
               <a:buNone/>
@@ -16850,7 +17257,31 @@
                 <a:latin typeface="Times New Roman" panose="02020603050405020304" pitchFamily="18" charset="0"/>
                 <a:cs typeface="Times New Roman" panose="02020603050405020304" pitchFamily="18" charset="0"/>
               </a:rPr>
-              <a:t>to balance the data with equal number of classes.	</a:t>
+              <a:t>to balance the data with equal number of classes. Then we used </a:t>
+            </a:r>
+            <a:r>
+              <a:rPr lang="en-IN" b="1" dirty="0">
+                <a:solidFill>
+                  <a:schemeClr val="tx2">
+                    <a:lumMod val="10000"/>
+                  </a:schemeClr>
+                </a:solidFill>
+                <a:latin typeface="Times New Roman" panose="02020603050405020304" pitchFamily="18" charset="0"/>
+                <a:cs typeface="Times New Roman" panose="02020603050405020304" pitchFamily="18" charset="0"/>
+              </a:rPr>
+              <a:t>MinMax Scaler </a:t>
+            </a:r>
+            <a:r>
+              <a:rPr lang="en-IN" dirty="0">
+                <a:solidFill>
+                  <a:schemeClr val="tx2">
+                    <a:lumMod val="10000"/>
+                  </a:schemeClr>
+                </a:solidFill>
+                <a:latin typeface="Times New Roman" panose="02020603050405020304" pitchFamily="18" charset="0"/>
+                <a:cs typeface="Times New Roman" panose="02020603050405020304" pitchFamily="18" charset="0"/>
+              </a:rPr>
+              <a:t>Transformation to make the data with same units.	</a:t>
             </a:r>
             <a:endParaRPr lang="en-US" dirty="0">
               <a:solidFill>
@@ -16876,35 +17307,6 @@
                 <a:latin typeface="Times New Roman" panose="02020603050405020304" pitchFamily="18" charset="0"/>
                 <a:cs typeface="Times New Roman" panose="02020603050405020304" pitchFamily="18" charset="0"/>
               </a:rPr>
-              <a:t>EDA:- </a:t>
-            </a:r>
-            <a:r>
-              <a:rPr lang="en-US" dirty="0">
-                <a:solidFill>
-                  <a:schemeClr val="tx2">
-                    <a:lumMod val="10000"/>
-                  </a:schemeClr>
-                </a:solidFill>
-                <a:latin typeface="Times New Roman" panose="02020603050405020304" pitchFamily="18" charset="0"/>
-                <a:cs typeface="Times New Roman" panose="02020603050405020304" pitchFamily="18" charset="0"/>
-              </a:rPr>
-              <a:t>We did some Exploratory Data Analysis on the data to Analyze most of the information.</a:t>
-            </a:r>
-          </a:p>
-          <a:p>
-            <a:pPr marL="114300" indent="0">
-              <a:buNone/>
-            </a:pPr>
-            <a:r>
-              <a:rPr lang="en-US" b="1" u="sng" dirty="0">
-                <a:solidFill>
-                  <a:schemeClr val="tx2">
-                    <a:lumMod val="10000"/>
-                  </a:schemeClr>
-                </a:solidFill>
-                <a:latin typeface="Times New Roman" panose="02020603050405020304" pitchFamily="18" charset="0"/>
-                <a:cs typeface="Times New Roman" panose="02020603050405020304" pitchFamily="18" charset="0"/>
-              </a:rPr>
               <a:t>Model Creation: </a:t>
             </a:r>
             <a:r>
@@ -16917,7 +17319,31 @@
                 <a:latin typeface="Times New Roman" panose="02020603050405020304" pitchFamily="18" charset="0"/>
                 <a:cs typeface="Times New Roman" panose="02020603050405020304" pitchFamily="18" charset="0"/>
               </a:rPr>
-              <a:t>Once we have analyzed the data, next will be building the model to predict the Company Bankruptcy. We will start from the simple model and apply different classification models to predict the same.	</a:t>
+              <a:t>Once we have analyzed the data and preprocessing </a:t>
+            </a:r>
+            <a:r>
+              <a:rPr lang="en-US">
+                <a:solidFill>
+                  <a:schemeClr val="tx2">
+                    <a:lumMod val="10000"/>
+                  </a:schemeClr>
+                </a:solidFill>
+                <a:latin typeface="Times New Roman" panose="02020603050405020304" pitchFamily="18" charset="0"/>
+                <a:cs typeface="Times New Roman" panose="02020603050405020304" pitchFamily="18" charset="0"/>
+              </a:rPr>
+              <a:t>the data, </a:t>
+            </a:r>
+            <a:r>
+              <a:rPr lang="en-US" dirty="0">
+                <a:solidFill>
+                  <a:schemeClr val="tx2">
+                    <a:lumMod val="10000"/>
+                  </a:schemeClr>
+                </a:solidFill>
+                <a:latin typeface="Times New Roman" panose="02020603050405020304" pitchFamily="18" charset="0"/>
+                <a:cs typeface="Times New Roman" panose="02020603050405020304" pitchFamily="18" charset="0"/>
+              </a:rPr>
+              <a:t>next will be building the model to predict the Company Bankruptcy. We will start from the simple model and apply different classification models to predict the same and decide which gives us a good accuracy.</a:t>
             </a:r>
             <a:endParaRPr lang="en-US" b="1" u="sng" dirty="0">
               <a:solidFill>
@@ -17111,7 +17537,7 @@
                 </a:solidFill>
                 <a:latin typeface="Roboto" panose="02000000000000000000" pitchFamily="2" charset="0"/>
               </a:rPr>
-              <a:t>: This dataset contains manipulation of original dataset(Df). Handling the class imbalance and applying the model is done through this dataset. This variable holds 13k+ rows.</a:t>
+              <a:t>: This dataset contains manipulation of original dataset(Df). Handling the class imbalance and applying the model is done through this dataset. This variable holds 13k+ rows and 66 columns.</a:t>
             </a:r>
           </a:p>
           <a:p>
@@ -17545,7 +17971,7 @@
                   <a:schemeClr val="accent2"/>
                 </a:solidFill>
               </a:rPr>
-              <a:t>The model will give us a good result when we trained with multicollinearity, so removing the independent variable which has a correlation value of greater than or equal to 0.89 (89%) with another independent variable.</a:t>
+              <a:t>The model will not give us a good result when we trained with multicollinearity, so removing the independent variable which has a correlation value of greater than or equal to 0.89 (89%) with another independent variable.</a:t>
             </a:r>
           </a:p>
           <a:p>
@@ -17828,7 +18254,12 @@
             <p:ph type="body" idx="1"/>
           </p:nvPr>
         </p:nvSpPr>
-        <p:spPr/>
+        <p:spPr>
+          <a:xfrm>
+            <a:off x="311700" y="1152474"/>
+            <a:ext cx="8520600" cy="3834463"/>
+          </a:xfrm>
+        </p:spPr>
         <p:txBody>
           <a:bodyPr/>
           <a:lstStyle/>
@@ -17891,7 +18322,7 @@
                   <a:schemeClr val="accent2"/>
                 </a:solidFill>
               </a:rPr>
-              <a:t>The training score and Testing score is 89% and 87% respectively.</a:t>
+              <a:t>The training score and Testing score is 88% and 87% respectively.</a:t>
             </a:r>
           </a:p>
           <a:p>
@@ -18041,10 +18472,10 @@
       </p:pic>
       <p:pic>
         <p:nvPicPr>
-          <p:cNvPr id="6" name="Picture 5">
+          <p:cNvPr id="7" name="Picture 6">
             <a:extLst>
               <a:ext uri="{FF2B5EF4-FFF2-40B4-BE49-F238E27FC236}">
-                <a16:creationId xmlns:a16="http://schemas.microsoft.com/office/drawing/2014/main" id="{182979F8-A162-4D03-A711-5551B44BF724}"/>
+                <a16:creationId xmlns:a16="http://schemas.microsoft.com/office/drawing/2014/main" id="{E161CFCC-6F39-46AC-BF01-34B4E0B9C97F}"/>
               </a:ext>
             </a:extLst>
           </p:cNvPr>
@@ -18061,8 +18492,8 @@
         </p:blipFill>
         <p:spPr>
           <a:xfrm>
-            <a:off x="764560" y="2409333"/>
-            <a:ext cx="3343315" cy="543439"/>
+            <a:off x="764560" y="2370880"/>
+            <a:ext cx="3540515" cy="499694"/>
           </a:xfrm>
           <a:prstGeom prst="rect">
             <a:avLst/>
@@ -18071,10 +18502,10 @@
       </p:pic>
       <p:pic>
         <p:nvPicPr>
-          <p:cNvPr id="8" name="Picture 7">
+          <p:cNvPr id="11" name="Picture 10">
             <a:extLst>
               <a:ext uri="{FF2B5EF4-FFF2-40B4-BE49-F238E27FC236}">
-                <a16:creationId xmlns:a16="http://schemas.microsoft.com/office/drawing/2014/main" id="{2B475AC7-74AE-4DA9-AF1C-8350D5C02E02}"/>
+                <a16:creationId xmlns:a16="http://schemas.microsoft.com/office/drawing/2014/main" id="{C61FCAD4-2617-4798-A9EA-5516E4293F42}"/>
               </a:ext>
             </a:extLst>
           </p:cNvPr>
@@ -18091,8 +18522,8 @@
         </p:blipFill>
         <p:spPr>
           <a:xfrm>
-            <a:off x="4402950" y="2341079"/>
-            <a:ext cx="2666361" cy="611693"/>
+            <a:off x="4572000" y="2361182"/>
+            <a:ext cx="3672968" cy="499694"/>
           </a:xfrm>
           <a:prstGeom prst="rect">
             <a:avLst/>
@@ -18101,10 +18532,10 @@
       </p:pic>
       <p:pic>
         <p:nvPicPr>
-          <p:cNvPr id="10" name="Picture 9">
+          <p:cNvPr id="13" name="Picture 12">
             <a:extLst>
               <a:ext uri="{FF2B5EF4-FFF2-40B4-BE49-F238E27FC236}">
-                <a16:creationId xmlns:a16="http://schemas.microsoft.com/office/drawing/2014/main" id="{8FBA48F7-5A89-4F56-95BA-26CB6B9FBCAC}"/>
+                <a16:creationId xmlns:a16="http://schemas.microsoft.com/office/drawing/2014/main" id="{CCCAB3A8-82F3-4BF3-90C3-0FD352C590E9}"/>
               </a:ext>
             </a:extLst>
           </p:cNvPr>
@@ -18121,8 +18552,8 @@
         </p:blipFill>
         <p:spPr>
           <a:xfrm>
-            <a:off x="783770" y="3325629"/>
-            <a:ext cx="4710314" cy="1507628"/>
+            <a:off x="764560" y="3280000"/>
+            <a:ext cx="4332394" cy="1617960"/>
           </a:xfrm>
           <a:prstGeom prst="rect">
             <a:avLst/>
